--- a/Time series analysis of aapl stock.pptx
+++ b/Time series analysis of aapl stock.pptx
@@ -9,7 +9,9 @@
     <p:sldId id="257" r:id="rId3"/>
     <p:sldId id="258" r:id="rId4"/>
     <p:sldId id="259" r:id="rId5"/>
-    <p:sldId id="260" r:id="rId6"/>
+    <p:sldId id="262" r:id="rId6"/>
+    <p:sldId id="265" r:id="rId7"/>
+    <p:sldId id="264" r:id="rId8"/>
   </p:sldIdLst>
   <p:sldSz cx="12192000" cy="6858000"/>
   <p:notesSz cx="6858000" cy="9144000"/>
@@ -108,6 +110,11 @@
       </a:defRPr>
     </a:lvl9pPr>
   </p:defaultTextStyle>
+  <p:extLst>
+    <p:ext uri="{EFAFB233-063F-42B5-8137-9DF3F51BA10A}">
+      <p15:sldGuideLst xmlns:p15="http://schemas.microsoft.com/office/powerpoint/2012/main"/>
+    </p:ext>
+  </p:extLst>
 </p:presentation>
 </file>
 
@@ -274,7 +281,7 @@
           <a:p>
             <a:fld id="{9AB3A824-1A51-4B26-AD58-A6D8E14F6C04}" type="datetimeFigureOut">
               <a:rPr lang="en-US" smtClean="0"/>
-              <a:t>5/6/2019</a:t>
+              <a:t>6/3/2019</a:t>
             </a:fld>
             <a:endParaRPr lang="en-US" dirty="0"/>
           </a:p>
@@ -448,7 +455,7 @@
           <a:p>
             <a:fld id="{D857E33E-8B18-4087-B112-809917729534}" type="datetimeFigureOut">
               <a:rPr lang="en-US" smtClean="0"/>
-              <a:t>5/6/2019</a:t>
+              <a:t>6/3/2019</a:t>
             </a:fld>
             <a:endParaRPr lang="en-US" dirty="0"/>
           </a:p>
@@ -632,7 +639,7 @@
           <a:p>
             <a:fld id="{D3FFE419-2371-464F-8239-3959401C3561}" type="datetimeFigureOut">
               <a:rPr lang="en-US" smtClean="0"/>
-              <a:t>5/6/2019</a:t>
+              <a:t>6/3/2019</a:t>
             </a:fld>
             <a:endParaRPr lang="en-US" dirty="0"/>
           </a:p>
@@ -882,7 +889,7 @@
           <a:p>
             <a:fld id="{9AB3A824-1A51-4B26-AD58-A6D8E14F6C04}" type="datetimeFigureOut">
               <a:rPr lang="en-US" smtClean="0"/>
-              <a:t>5/6/2019</a:t>
+              <a:t>6/3/2019</a:t>
             </a:fld>
             <a:endParaRPr lang="en-US" dirty="0"/>
           </a:p>
@@ -1056,7 +1063,7 @@
           <a:p>
             <a:fld id="{97D162C4-EDD9-4389-A98B-B87ECEA2A816}" type="datetimeFigureOut">
               <a:rPr lang="en-US" smtClean="0"/>
-              <a:t>5/6/2019</a:t>
+              <a:t>6/3/2019</a:t>
             </a:fld>
             <a:endParaRPr lang="en-US" dirty="0"/>
           </a:p>
@@ -1304,7 +1311,7 @@
           <a:p>
             <a:fld id="{3E5059C3-6A89-4494-99FF-5A4D6FFD50EB}" type="datetimeFigureOut">
               <a:rPr lang="en-US" smtClean="0"/>
-              <a:t>5/6/2019</a:t>
+              <a:t>6/3/2019</a:t>
             </a:fld>
             <a:endParaRPr lang="en-US" dirty="0"/>
           </a:p>
@@ -1544,7 +1551,7 @@
           <a:p>
             <a:fld id="{CA954B2F-12DE-47F5-8894-472B206D2E1E}" type="datetimeFigureOut">
               <a:rPr lang="en-US" smtClean="0"/>
-              <a:t>5/6/2019</a:t>
+              <a:t>6/3/2019</a:t>
             </a:fld>
             <a:endParaRPr lang="en-US" dirty="0"/>
           </a:p>
@@ -2014,7 +2021,7 @@
           <a:p>
             <a:fld id="{3CBC1C18-307B-4F68-A007-B5B542270E8D}" type="datetimeFigureOut">
               <a:rPr lang="en-US" smtClean="0"/>
-              <a:t>5/6/2019</a:t>
+              <a:t>6/3/2019</a:t>
             </a:fld>
             <a:endParaRPr lang="en-US" dirty="0"/>
           </a:p>
@@ -2138,7 +2145,7 @@
           <a:p>
             <a:fld id="{1FAF3416-4057-4DAA-829D-4CA07428D088}" type="datetimeFigureOut">
               <a:rPr lang="en-US" smtClean="0"/>
-              <a:t>5/6/2019</a:t>
+              <a:t>6/3/2019</a:t>
             </a:fld>
             <a:endParaRPr lang="en-US" dirty="0"/>
           </a:p>
@@ -2237,7 +2244,7 @@
           <a:p>
             <a:fld id="{921D9284-D300-4297-87F7-E791DCC15DB1}" type="datetimeFigureOut">
               <a:rPr lang="en-US" smtClean="0"/>
-              <a:t>5/6/2019</a:t>
+              <a:t>6/3/2019</a:t>
             </a:fld>
             <a:endParaRPr lang="en-US" dirty="0"/>
           </a:p>
@@ -2496,7 +2503,7 @@
           <a:p>
             <a:fld id="{37D525BB-DA17-4BA0-B3C8-3AC3ABC827E6}" type="datetimeFigureOut">
               <a:rPr lang="en-US" smtClean="0"/>
-              <a:t>5/6/2019</a:t>
+              <a:t>6/3/2019</a:t>
             </a:fld>
             <a:endParaRPr lang="en-US" dirty="0"/>
           </a:p>
@@ -2670,7 +2677,7 @@
           <a:p>
             <a:fld id="{97D162C4-EDD9-4389-A98B-B87ECEA2A816}" type="datetimeFigureOut">
               <a:rPr lang="en-US" smtClean="0"/>
-              <a:t>5/6/2019</a:t>
+              <a:t>6/3/2019</a:t>
             </a:fld>
             <a:endParaRPr lang="en-US" dirty="0"/>
           </a:p>
@@ -2973,7 +2980,7 @@
           <a:p>
             <a:fld id="{B16C4C9A-3960-41CF-A4E9-2A8FB932454B}" type="datetimeFigureOut">
               <a:rPr lang="en-US" smtClean="0"/>
-              <a:t>5/6/2019</a:t>
+              <a:t>6/3/2019</a:t>
             </a:fld>
             <a:endParaRPr lang="en-US" dirty="0"/>
           </a:p>
@@ -3274,7 +3281,7 @@
           <a:p>
             <a:fld id="{3CBC1C18-307B-4F68-A007-B5B542270E8D}" type="datetimeFigureOut">
               <a:rPr lang="en-US" smtClean="0"/>
-              <a:t>5/6/2019</a:t>
+              <a:t>6/3/2019</a:t>
             </a:fld>
             <a:endParaRPr lang="en-US" dirty="0"/>
           </a:p>
@@ -3472,7 +3479,7 @@
           <a:p>
             <a:fld id="{3CBC1C18-307B-4F68-A007-B5B542270E8D}" type="datetimeFigureOut">
               <a:rPr lang="en-US" smtClean="0"/>
-              <a:t>5/6/2019</a:t>
+              <a:t>6/3/2019</a:t>
             </a:fld>
             <a:endParaRPr lang="en-US" dirty="0"/>
           </a:p>
@@ -3739,7 +3746,7 @@
           <a:p>
             <a:fld id="{3CBC1C18-307B-4F68-A007-B5B542270E8D}" type="datetimeFigureOut">
               <a:rPr lang="en-US" smtClean="0"/>
-              <a:t>5/6/2019</a:t>
+              <a:t>6/3/2019</a:t>
             </a:fld>
             <a:endParaRPr lang="en-US" dirty="0"/>
           </a:p>
@@ -4169,7 +4176,7 @@
           <a:p>
             <a:fld id="{3CBC1C18-307B-4F68-A007-B5B542270E8D}" type="datetimeFigureOut">
               <a:rPr lang="en-US" smtClean="0"/>
-              <a:t>5/6/2019</a:t>
+              <a:t>6/3/2019</a:t>
             </a:fld>
             <a:endParaRPr lang="en-US" dirty="0"/>
           </a:p>
@@ -4712,7 +4719,7 @@
           <a:p>
             <a:fld id="{3CBC1C18-307B-4F68-A007-B5B542270E8D}" type="datetimeFigureOut">
               <a:rPr lang="en-US" smtClean="0"/>
-              <a:t>5/6/2019</a:t>
+              <a:t>6/3/2019</a:t>
             </a:fld>
             <a:endParaRPr lang="en-US" dirty="0"/>
           </a:p>
@@ -5579,7 +5586,7 @@
           <a:p>
             <a:fld id="{3CBC1C18-307B-4F68-A007-B5B542270E8D}" type="datetimeFigureOut">
               <a:rPr lang="en-US" smtClean="0"/>
-              <a:t>5/6/2019</a:t>
+              <a:t>6/3/2019</a:t>
             </a:fld>
             <a:endParaRPr lang="en-US" dirty="0"/>
           </a:p>
@@ -5755,7 +5762,7 @@
           <a:p>
             <a:fld id="{D857E33E-8B18-4087-B112-809917729534}" type="datetimeFigureOut">
               <a:rPr lang="en-US" smtClean="0"/>
-              <a:t>5/6/2019</a:t>
+              <a:t>6/3/2019</a:t>
             </a:fld>
             <a:endParaRPr lang="en-US" dirty="0"/>
           </a:p>
@@ -5943,7 +5950,7 @@
           <a:p>
             <a:fld id="{D3FFE419-2371-464F-8239-3959401C3561}" type="datetimeFigureOut">
               <a:rPr lang="en-US" smtClean="0"/>
-              <a:t>5/6/2019</a:t>
+              <a:t>6/3/2019</a:t>
             </a:fld>
             <a:endParaRPr lang="en-US" dirty="0"/>
           </a:p>
@@ -6215,7 +6222,7 @@
           <a:p>
             <a:fld id="{3E5059C3-6A89-4494-99FF-5A4D6FFD50EB}" type="datetimeFigureOut">
               <a:rPr lang="en-US" smtClean="0"/>
-              <a:t>5/6/2019</a:t>
+              <a:t>6/3/2019</a:t>
             </a:fld>
             <a:endParaRPr lang="en-US" dirty="0"/>
           </a:p>
@@ -6451,7 +6458,7 @@
           <a:p>
             <a:fld id="{CA954B2F-12DE-47F5-8894-472B206D2E1E}" type="datetimeFigureOut">
               <a:rPr lang="en-US" smtClean="0"/>
-              <a:t>5/6/2019</a:t>
+              <a:t>6/3/2019</a:t>
             </a:fld>
             <a:endParaRPr lang="en-US" dirty="0"/>
           </a:p>
@@ -6814,7 +6821,7 @@
           <a:p>
             <a:fld id="{3CBC1C18-307B-4F68-A007-B5B542270E8D}" type="datetimeFigureOut">
               <a:rPr lang="en-US" smtClean="0"/>
-              <a:t>5/6/2019</a:t>
+              <a:t>6/3/2019</a:t>
             </a:fld>
             <a:endParaRPr lang="en-US" dirty="0"/>
           </a:p>
@@ -6961,7 +6968,7 @@
           <a:p>
             <a:fld id="{1FAF3416-4057-4DAA-829D-4CA07428D088}" type="datetimeFigureOut">
               <a:rPr lang="en-US" smtClean="0"/>
-              <a:t>5/6/2019</a:t>
+              <a:t>6/3/2019</a:t>
             </a:fld>
             <a:endParaRPr lang="en-US" dirty="0"/>
           </a:p>
@@ -7060,7 +7067,7 @@
           <a:p>
             <a:fld id="{921D9284-D300-4297-87F7-E791DCC15DB1}" type="datetimeFigureOut">
               <a:rPr lang="en-US" smtClean="0"/>
-              <a:t>5/6/2019</a:t>
+              <a:t>6/3/2019</a:t>
             </a:fld>
             <a:endParaRPr lang="en-US" dirty="0"/>
           </a:p>
@@ -7421,7 +7428,7 @@
           <a:p>
             <a:fld id="{37D525BB-DA17-4BA0-B3C8-3AC3ABC827E6}" type="datetimeFigureOut">
               <a:rPr lang="en-US" smtClean="0"/>
-              <a:t>5/6/2019</a:t>
+              <a:t>6/3/2019</a:t>
             </a:fld>
             <a:endParaRPr lang="en-US" dirty="0"/>
           </a:p>
@@ -7781,7 +7788,7 @@
           <a:p>
             <a:fld id="{B16C4C9A-3960-41CF-A4E9-2A8FB932454B}" type="datetimeFigureOut">
               <a:rPr lang="en-US" smtClean="0"/>
-              <a:t>5/6/2019</a:t>
+              <a:t>6/3/2019</a:t>
             </a:fld>
             <a:endParaRPr lang="en-US" dirty="0"/>
           </a:p>
@@ -8026,7 +8033,7 @@
           <a:p>
             <a:fld id="{3CBC1C18-307B-4F68-A007-B5B542270E8D}" type="datetimeFigureOut">
               <a:rPr lang="en-US" smtClean="0"/>
-              <a:t>5/6/2019</a:t>
+              <a:t>6/3/2019</a:t>
             </a:fld>
             <a:endParaRPr lang="en-US" dirty="0"/>
           </a:p>
@@ -8640,7 +8647,7 @@
           <a:p>
             <a:fld id="{3CBC1C18-307B-4F68-A007-B5B542270E8D}" type="datetimeFigureOut">
               <a:rPr lang="en-US" smtClean="0"/>
-              <a:t>5/6/2019</a:t>
+              <a:t>6/3/2019</a:t>
             </a:fld>
             <a:endParaRPr lang="en-US" dirty="0"/>
           </a:p>
@@ -10136,6 +10143,244 @@
           </a:fontRef>
         </p:style>
       </p:cxnSp>
+      <p:pic>
+        <p:nvPicPr>
+          <p:cNvPr id="9" name="Brand logo">
+            <a:extLst>
+              <a:ext uri="{FF2B5EF4-FFF2-40B4-BE49-F238E27FC236}">
+                <a16:creationId xmlns:a16="http://schemas.microsoft.com/office/drawing/2014/main" id="{518A8C2E-4D97-49A0-A47E-FAAC9BEC915B}"/>
+              </a:ext>
+            </a:extLst>
+          </p:cNvPr>
+          <p:cNvPicPr>
+            <a:picLocks noChangeAspect="1"/>
+          </p:cNvPicPr>
+          <p:nvPr/>
+        </p:nvPicPr>
+        <p:blipFill>
+          <a:blip r:embed="rId4">
+            <a:extLst>
+              <a:ext uri="{96DAC541-7B7A-43D3-8B79-37D633B846F1}">
+                <asvg:svgBlip xmlns:asvg="http://schemas.microsoft.com/office/drawing/2016/SVG/main" r:embed="rId5"/>
+              </a:ext>
+            </a:extLst>
+          </a:blip>
+          <a:stretch>
+            <a:fillRect/>
+          </a:stretch>
+        </p:blipFill>
+        <p:spPr>
+          <a:xfrm>
+            <a:off x="280005" y="6432631"/>
+            <a:ext cx="423229" cy="136525"/>
+          </a:xfrm>
+          <a:prstGeom prst="rect">
+            <a:avLst/>
+          </a:prstGeom>
+        </p:spPr>
+      </p:pic>
+      <p:sp>
+        <p:nvSpPr>
+          <p:cNvPr id="13" name="Text Placeholder-left">
+            <a:extLst>
+              <a:ext uri="{FF2B5EF4-FFF2-40B4-BE49-F238E27FC236}">
+                <a16:creationId xmlns:a16="http://schemas.microsoft.com/office/drawing/2014/main" id="{423E5BFD-C3CD-4CEA-936F-CAA6237A8472}"/>
+              </a:ext>
+            </a:extLst>
+          </p:cNvPr>
+          <p:cNvSpPr txBox="1">
+            <a:spLocks/>
+          </p:cNvSpPr>
+          <p:nvPr/>
+        </p:nvSpPr>
+        <p:spPr>
+          <a:xfrm>
+            <a:off x="983239" y="6488668"/>
+            <a:ext cx="2651760" cy="369332"/>
+          </a:xfrm>
+          <a:prstGeom prst="rect">
+            <a:avLst/>
+          </a:prstGeom>
+        </p:spPr>
+        <p:txBody>
+          <a:bodyPr wrap="square" lIns="0" tIns="0" rIns="0" bIns="256032">
+            <a:spAutoFit/>
+          </a:bodyPr>
+          <a:lstStyle>
+            <a:lvl1pPr marL="0" indent="0" algn="r" defTabSz="685800" rtl="0" eaLnBrk="1" latinLnBrk="0" hangingPunct="1">
+              <a:lnSpc>
+                <a:spcPct val="90000"/>
+              </a:lnSpc>
+              <a:spcBef>
+                <a:spcPts val="750"/>
+              </a:spcBef>
+              <a:buFontTx/>
+              <a:buNone/>
+              <a:defRPr sz="800" kern="1200">
+                <a:solidFill>
+                  <a:srgbClr val="898989"/>
+                </a:solidFill>
+                <a:latin typeface="Helvetica" pitchFamily="2" charset="0"/>
+                <a:ea typeface="+mn-ea"/>
+                <a:cs typeface="+mn-cs"/>
+              </a:defRPr>
+            </a:lvl1pPr>
+            <a:lvl2pPr marL="342900" indent="0" algn="l" defTabSz="685800" rtl="0" eaLnBrk="1" latinLnBrk="0" hangingPunct="1">
+              <a:lnSpc>
+                <a:spcPct val="100000"/>
+              </a:lnSpc>
+              <a:spcBef>
+                <a:spcPts val="375"/>
+              </a:spcBef>
+              <a:buFontTx/>
+              <a:buNone/>
+              <a:defRPr sz="800" kern="1200">
+                <a:solidFill>
+                  <a:srgbClr val="58595B"/>
+                </a:solidFill>
+                <a:latin typeface="Helvetica" pitchFamily="2" charset="0"/>
+                <a:ea typeface="+mn-ea"/>
+                <a:cs typeface="+mn-cs"/>
+              </a:defRPr>
+            </a:lvl2pPr>
+            <a:lvl3pPr marL="857250" indent="-171450" algn="l" defTabSz="685800" rtl="0" eaLnBrk="1" latinLnBrk="0" hangingPunct="1">
+              <a:lnSpc>
+                <a:spcPct val="90000"/>
+              </a:lnSpc>
+              <a:spcBef>
+                <a:spcPts val="375"/>
+              </a:spcBef>
+              <a:buFont typeface="Arial" panose="020B0604020202020204" pitchFamily="34" charset="0"/>
+              <a:buChar char="•"/>
+              <a:defRPr sz="800" kern="1200">
+                <a:solidFill>
+                  <a:srgbClr val="58595B"/>
+                </a:solidFill>
+                <a:latin typeface="Helvetica" pitchFamily="2" charset="0"/>
+                <a:ea typeface="+mn-ea"/>
+                <a:cs typeface="+mn-cs"/>
+              </a:defRPr>
+            </a:lvl3pPr>
+            <a:lvl4pPr marL="1200150" indent="-171450" algn="l" defTabSz="685800" rtl="0" eaLnBrk="1" latinLnBrk="0" hangingPunct="1">
+              <a:lnSpc>
+                <a:spcPct val="90000"/>
+              </a:lnSpc>
+              <a:spcBef>
+                <a:spcPts val="375"/>
+              </a:spcBef>
+              <a:buFont typeface="Arial" panose="020B0604020202020204" pitchFamily="34" charset="0"/>
+              <a:buChar char="•"/>
+              <a:defRPr sz="800" b="1" i="0" kern="1200">
+                <a:solidFill>
+                  <a:srgbClr val="58595B"/>
+                </a:solidFill>
+                <a:latin typeface="Helvetica" pitchFamily="2" charset="0"/>
+                <a:ea typeface="+mn-ea"/>
+                <a:cs typeface="+mn-cs"/>
+              </a:defRPr>
+            </a:lvl4pPr>
+            <a:lvl5pPr marL="1543050" indent="-171450" algn="l" defTabSz="685800" rtl="0" eaLnBrk="1" latinLnBrk="0" hangingPunct="1">
+              <a:lnSpc>
+                <a:spcPct val="90000"/>
+              </a:lnSpc>
+              <a:spcBef>
+                <a:spcPts val="375"/>
+              </a:spcBef>
+              <a:buFont typeface="Arial" panose="020B0604020202020204" pitchFamily="34" charset="0"/>
+              <a:buChar char="•"/>
+              <a:defRPr sz="800" kern="1200">
+                <a:solidFill>
+                  <a:srgbClr val="58595B"/>
+                </a:solidFill>
+                <a:latin typeface="Helvetica" pitchFamily="2" charset="0"/>
+                <a:ea typeface="+mn-ea"/>
+                <a:cs typeface="+mn-cs"/>
+              </a:defRPr>
+            </a:lvl5pPr>
+            <a:lvl6pPr marL="1885950" indent="-171450" algn="l" defTabSz="685800" rtl="0" eaLnBrk="1" latinLnBrk="0" hangingPunct="1">
+              <a:lnSpc>
+                <a:spcPct val="90000"/>
+              </a:lnSpc>
+              <a:spcBef>
+                <a:spcPts val="375"/>
+              </a:spcBef>
+              <a:buFont typeface="Arial" panose="020B0604020202020204" pitchFamily="34" charset="0"/>
+              <a:buChar char="•"/>
+              <a:defRPr sz="1350" kern="1200">
+                <a:solidFill>
+                  <a:schemeClr val="tx1"/>
+                </a:solidFill>
+                <a:latin typeface="+mn-lt"/>
+                <a:ea typeface="+mn-ea"/>
+                <a:cs typeface="+mn-cs"/>
+              </a:defRPr>
+            </a:lvl6pPr>
+            <a:lvl7pPr marL="2228850" indent="-171450" algn="l" defTabSz="685800" rtl="0" eaLnBrk="1" latinLnBrk="0" hangingPunct="1">
+              <a:lnSpc>
+                <a:spcPct val="90000"/>
+              </a:lnSpc>
+              <a:spcBef>
+                <a:spcPts val="375"/>
+              </a:spcBef>
+              <a:buFont typeface="Arial" panose="020B0604020202020204" pitchFamily="34" charset="0"/>
+              <a:buChar char="•"/>
+              <a:defRPr sz="1350" kern="1200">
+                <a:solidFill>
+                  <a:schemeClr val="tx1"/>
+                </a:solidFill>
+                <a:latin typeface="+mn-lt"/>
+                <a:ea typeface="+mn-ea"/>
+                <a:cs typeface="+mn-cs"/>
+              </a:defRPr>
+            </a:lvl7pPr>
+            <a:lvl8pPr marL="2571750" indent="-171450" algn="l" defTabSz="685800" rtl="0" eaLnBrk="1" latinLnBrk="0" hangingPunct="1">
+              <a:lnSpc>
+                <a:spcPct val="90000"/>
+              </a:lnSpc>
+              <a:spcBef>
+                <a:spcPts val="375"/>
+              </a:spcBef>
+              <a:buFont typeface="Arial" panose="020B0604020202020204" pitchFamily="34" charset="0"/>
+              <a:buChar char="•"/>
+              <a:defRPr sz="1350" kern="1200">
+                <a:solidFill>
+                  <a:schemeClr val="tx1"/>
+                </a:solidFill>
+                <a:latin typeface="+mn-lt"/>
+                <a:ea typeface="+mn-ea"/>
+                <a:cs typeface="+mn-cs"/>
+              </a:defRPr>
+            </a:lvl8pPr>
+            <a:lvl9pPr marL="2914650" indent="-171450" algn="l" defTabSz="685800" rtl="0" eaLnBrk="1" latinLnBrk="0" hangingPunct="1">
+              <a:lnSpc>
+                <a:spcPct val="90000"/>
+              </a:lnSpc>
+              <a:spcBef>
+                <a:spcPts val="375"/>
+              </a:spcBef>
+              <a:buFont typeface="Arial" panose="020B0604020202020204" pitchFamily="34" charset="0"/>
+              <a:buChar char="•"/>
+              <a:defRPr sz="1350" kern="1200">
+                <a:solidFill>
+                  <a:schemeClr val="tx1"/>
+                </a:solidFill>
+                <a:latin typeface="+mn-lt"/>
+                <a:ea typeface="+mn-ea"/>
+                <a:cs typeface="+mn-cs"/>
+              </a:defRPr>
+            </a:lvl9pPr>
+          </a:lstStyle>
+          <a:p>
+            <a:pPr algn="l"/>
+            <a:r>
+              <a:rPr lang="en-US" b="0" i="0" dirty="0">
+                <a:latin typeface="Helvetica Regular" pitchFamily="2" charset="0"/>
+              </a:rPr>
+              <a:t>Department of Statistics</a:t>
+            </a:r>
+          </a:p>
+        </p:txBody>
+      </p:sp>
     </p:spTree>
     <p:extLst>
       <p:ext uri="{BB962C8B-B14F-4D97-AF65-F5344CB8AC3E}">
@@ -10174,42 +10419,6 @@
           <a:chExt cx="0" cy="0"/>
         </a:xfrm>
       </p:grpSpPr>
-      <p:pic>
-        <p:nvPicPr>
-          <p:cNvPr id="23" name="Picture 22">
-            <a:extLst>
-              <a:ext uri="{FF2B5EF4-FFF2-40B4-BE49-F238E27FC236}">
-                <a16:creationId xmlns:a16="http://schemas.microsoft.com/office/drawing/2014/main" id="{A29B66AD-8435-4BE6-A3B7-980ECAD23DDE}"/>
-              </a:ext>
-            </a:extLst>
-          </p:cNvPr>
-          <p:cNvPicPr>
-            <a:picLocks noChangeAspect="1"/>
-          </p:cNvPicPr>
-          <p:nvPr/>
-        </p:nvPicPr>
-        <p:blipFill>
-          <a:blip r:embed="rId2">
-            <a:extLst>
-              <a:ext uri="{28A0092B-C50C-407E-A947-70E740481C1C}">
-                <a14:useLocalDpi xmlns:a14="http://schemas.microsoft.com/office/drawing/2010/main" val="0"/>
-              </a:ext>
-            </a:extLst>
-          </a:blip>
-          <a:stretch>
-            <a:fillRect/>
-          </a:stretch>
-        </p:blipFill>
-        <p:spPr>
-          <a:xfrm>
-            <a:off x="5236046" y="2930216"/>
-            <a:ext cx="7489108" cy="3627537"/>
-          </a:xfrm>
-          <a:prstGeom prst="rect">
-            <a:avLst/>
-          </a:prstGeom>
-        </p:spPr>
-      </p:pic>
       <p:sp>
         <p:nvSpPr>
           <p:cNvPr id="15" name="Title 1">
@@ -10337,7 +10546,7 @@
           <p:nvPr/>
         </p:nvPicPr>
         <p:blipFill>
-          <a:blip r:embed="rId3">
+          <a:blip r:embed="rId2">
             <a:extLst>
               <a:ext uri="{28A0092B-C50C-407E-A947-70E740481C1C}">
                 <a14:useLocalDpi xmlns:a14="http://schemas.microsoft.com/office/drawing/2010/main" val="0"/>
@@ -10372,7 +10581,7 @@
         </p:nvSpPr>
         <p:spPr>
           <a:xfrm>
-            <a:off x="8031922" y="2348468"/>
+            <a:off x="404559" y="1842272"/>
             <a:ext cx="3908135" cy="369332"/>
           </a:xfrm>
           <a:prstGeom prst="rect">
@@ -10397,62 +10606,320 @@
             <a:pPr algn="ctr"/>
             <a:r>
               <a:rPr lang="en-GB" dirty="0">
+                <a:solidFill>
+                  <a:schemeClr val="bg2"/>
+                </a:solidFill>
                 <a:latin typeface="+mj-lt"/>
               </a:rPr>
               <a:t>Histogram of the daily percent change</a:t>
             </a:r>
             <a:endParaRPr lang="en-US" dirty="0">
+              <a:solidFill>
+                <a:schemeClr val="bg2"/>
+              </a:solidFill>
               <a:latin typeface="+mj-lt"/>
             </a:endParaRPr>
           </a:p>
         </p:txBody>
       </p:sp>
-      <p:cxnSp>
-        <p:nvCxnSpPr>
-          <p:cNvPr id="19" name="Straight Connector 18">
+      <p:pic>
+        <p:nvPicPr>
+          <p:cNvPr id="5" name="Picture 4">
             <a:extLst>
               <a:ext uri="{FF2B5EF4-FFF2-40B4-BE49-F238E27FC236}">
-                <a16:creationId xmlns:a16="http://schemas.microsoft.com/office/drawing/2014/main" id="{2CFB6FEA-EC0E-4998-937E-2CD2FD0F5BEC}"/>
+                <a16:creationId xmlns:a16="http://schemas.microsoft.com/office/drawing/2014/main" id="{B0106C4A-38E4-411C-8A26-D855AA6D75DB}"/>
               </a:ext>
             </a:extLst>
           </p:cNvPr>
-          <p:cNvCxnSpPr>
-            <a:cxnSpLocks/>
-          </p:cNvCxnSpPr>
+          <p:cNvPicPr>
+            <a:picLocks noChangeAspect="1"/>
+          </p:cNvPicPr>
           <p:nvPr/>
-        </p:nvCxnSpPr>
+        </p:nvPicPr>
+        <p:blipFill>
+          <a:blip r:embed="rId3"/>
+          <a:stretch>
+            <a:fillRect/>
+          </a:stretch>
+        </p:blipFill>
         <p:spPr>
           <a:xfrm>
-            <a:off x="5990524" y="2533134"/>
-            <a:ext cx="2041398" cy="0"/>
+            <a:off x="6795148" y="2776462"/>
+            <a:ext cx="4969477" cy="3986590"/>
           </a:xfrm>
-          <a:prstGeom prst="line">
+          <a:prstGeom prst="rect">
             <a:avLst/>
           </a:prstGeom>
-          <a:ln>
-            <a:solidFill>
-              <a:schemeClr val="tx2"/>
-            </a:solidFill>
-            <a:prstDash val="dash"/>
-            <a:headEnd type="oval"/>
-            <a:tailEnd type="oval"/>
-          </a:ln>
         </p:spPr>
-        <p:style>
-          <a:lnRef idx="1">
-            <a:schemeClr val="accent1"/>
-          </a:lnRef>
-          <a:fillRef idx="0">
-            <a:schemeClr val="accent1"/>
-          </a:fillRef>
-          <a:effectRef idx="0">
-            <a:schemeClr val="accent1"/>
-          </a:effectRef>
-          <a:fontRef idx="minor">
-            <a:schemeClr val="tx1"/>
-          </a:fontRef>
-        </p:style>
-      </p:cxnSp>
+      </p:pic>
+      <p:pic>
+        <p:nvPicPr>
+          <p:cNvPr id="2" name="Picture 1">
+            <a:extLst>
+              <a:ext uri="{FF2B5EF4-FFF2-40B4-BE49-F238E27FC236}">
+                <a16:creationId xmlns:a16="http://schemas.microsoft.com/office/drawing/2014/main" id="{53260909-BBD1-42B7-8227-0AEA116DB224}"/>
+              </a:ext>
+            </a:extLst>
+          </p:cNvPr>
+          <p:cNvPicPr>
+            <a:picLocks noChangeAspect="1"/>
+          </p:cNvPicPr>
+          <p:nvPr/>
+        </p:nvPicPr>
+        <p:blipFill>
+          <a:blip r:embed="rId4"/>
+          <a:stretch>
+            <a:fillRect/>
+          </a:stretch>
+        </p:blipFill>
+        <p:spPr>
+          <a:xfrm>
+            <a:off x="4312694" y="1842272"/>
+            <a:ext cx="7740954" cy="1868380"/>
+          </a:xfrm>
+          <a:prstGeom prst="rect">
+            <a:avLst/>
+          </a:prstGeom>
+        </p:spPr>
+      </p:pic>
+      <p:pic>
+        <p:nvPicPr>
+          <p:cNvPr id="10" name="Brand logo">
+            <a:extLst>
+              <a:ext uri="{FF2B5EF4-FFF2-40B4-BE49-F238E27FC236}">
+                <a16:creationId xmlns:a16="http://schemas.microsoft.com/office/drawing/2014/main" id="{276846CB-7734-486B-A25C-7E179E56FA81}"/>
+              </a:ext>
+            </a:extLst>
+          </p:cNvPr>
+          <p:cNvPicPr>
+            <a:picLocks noChangeAspect="1"/>
+          </p:cNvPicPr>
+          <p:nvPr/>
+        </p:nvPicPr>
+        <p:blipFill>
+          <a:blip r:embed="rId5">
+            <a:extLst>
+              <a:ext uri="{96DAC541-7B7A-43D3-8B79-37D633B846F1}">
+                <asvg:svgBlip xmlns:asvg="http://schemas.microsoft.com/office/drawing/2016/SVG/main" r:embed="rId6"/>
+              </a:ext>
+            </a:extLst>
+          </a:blip>
+          <a:stretch>
+            <a:fillRect/>
+          </a:stretch>
+        </p:blipFill>
+        <p:spPr>
+          <a:xfrm>
+            <a:off x="280005" y="6432631"/>
+            <a:ext cx="423229" cy="136525"/>
+          </a:xfrm>
+          <a:prstGeom prst="rect">
+            <a:avLst/>
+          </a:prstGeom>
+        </p:spPr>
+      </p:pic>
+      <p:sp>
+        <p:nvSpPr>
+          <p:cNvPr id="11" name="Text Placeholder-left">
+            <a:extLst>
+              <a:ext uri="{FF2B5EF4-FFF2-40B4-BE49-F238E27FC236}">
+                <a16:creationId xmlns:a16="http://schemas.microsoft.com/office/drawing/2014/main" id="{055C2832-3712-4F4A-B46E-3C5E6D7812AD}"/>
+              </a:ext>
+            </a:extLst>
+          </p:cNvPr>
+          <p:cNvSpPr txBox="1">
+            <a:spLocks/>
+          </p:cNvSpPr>
+          <p:nvPr/>
+        </p:nvSpPr>
+        <p:spPr>
+          <a:xfrm>
+            <a:off x="983239" y="6488668"/>
+            <a:ext cx="2651760" cy="369332"/>
+          </a:xfrm>
+          <a:prstGeom prst="rect">
+            <a:avLst/>
+          </a:prstGeom>
+        </p:spPr>
+        <p:txBody>
+          <a:bodyPr wrap="square" lIns="0" tIns="0" rIns="0" bIns="256032">
+            <a:spAutoFit/>
+          </a:bodyPr>
+          <a:lstStyle>
+            <a:lvl1pPr marL="0" indent="0" algn="r" defTabSz="685800" rtl="0" eaLnBrk="1" latinLnBrk="0" hangingPunct="1">
+              <a:lnSpc>
+                <a:spcPct val="90000"/>
+              </a:lnSpc>
+              <a:spcBef>
+                <a:spcPts val="750"/>
+              </a:spcBef>
+              <a:buFontTx/>
+              <a:buNone/>
+              <a:defRPr sz="800" kern="1200">
+                <a:solidFill>
+                  <a:srgbClr val="898989"/>
+                </a:solidFill>
+                <a:latin typeface="Helvetica" pitchFamily="2" charset="0"/>
+                <a:ea typeface="+mn-ea"/>
+                <a:cs typeface="+mn-cs"/>
+              </a:defRPr>
+            </a:lvl1pPr>
+            <a:lvl2pPr marL="342900" indent="0" algn="l" defTabSz="685800" rtl="0" eaLnBrk="1" latinLnBrk="0" hangingPunct="1">
+              <a:lnSpc>
+                <a:spcPct val="100000"/>
+              </a:lnSpc>
+              <a:spcBef>
+                <a:spcPts val="375"/>
+              </a:spcBef>
+              <a:buFontTx/>
+              <a:buNone/>
+              <a:defRPr sz="800" kern="1200">
+                <a:solidFill>
+                  <a:srgbClr val="58595B"/>
+                </a:solidFill>
+                <a:latin typeface="Helvetica" pitchFamily="2" charset="0"/>
+                <a:ea typeface="+mn-ea"/>
+                <a:cs typeface="+mn-cs"/>
+              </a:defRPr>
+            </a:lvl2pPr>
+            <a:lvl3pPr marL="857250" indent="-171450" algn="l" defTabSz="685800" rtl="0" eaLnBrk="1" latinLnBrk="0" hangingPunct="1">
+              <a:lnSpc>
+                <a:spcPct val="90000"/>
+              </a:lnSpc>
+              <a:spcBef>
+                <a:spcPts val="375"/>
+              </a:spcBef>
+              <a:buFont typeface="Arial" panose="020B0604020202020204" pitchFamily="34" charset="0"/>
+              <a:buChar char="•"/>
+              <a:defRPr sz="800" kern="1200">
+                <a:solidFill>
+                  <a:srgbClr val="58595B"/>
+                </a:solidFill>
+                <a:latin typeface="Helvetica" pitchFamily="2" charset="0"/>
+                <a:ea typeface="+mn-ea"/>
+                <a:cs typeface="+mn-cs"/>
+              </a:defRPr>
+            </a:lvl3pPr>
+            <a:lvl4pPr marL="1200150" indent="-171450" algn="l" defTabSz="685800" rtl="0" eaLnBrk="1" latinLnBrk="0" hangingPunct="1">
+              <a:lnSpc>
+                <a:spcPct val="90000"/>
+              </a:lnSpc>
+              <a:spcBef>
+                <a:spcPts val="375"/>
+              </a:spcBef>
+              <a:buFont typeface="Arial" panose="020B0604020202020204" pitchFamily="34" charset="0"/>
+              <a:buChar char="•"/>
+              <a:defRPr sz="800" b="1" i="0" kern="1200">
+                <a:solidFill>
+                  <a:srgbClr val="58595B"/>
+                </a:solidFill>
+                <a:latin typeface="Helvetica" pitchFamily="2" charset="0"/>
+                <a:ea typeface="+mn-ea"/>
+                <a:cs typeface="+mn-cs"/>
+              </a:defRPr>
+            </a:lvl4pPr>
+            <a:lvl5pPr marL="1543050" indent="-171450" algn="l" defTabSz="685800" rtl="0" eaLnBrk="1" latinLnBrk="0" hangingPunct="1">
+              <a:lnSpc>
+                <a:spcPct val="90000"/>
+              </a:lnSpc>
+              <a:spcBef>
+                <a:spcPts val="375"/>
+              </a:spcBef>
+              <a:buFont typeface="Arial" panose="020B0604020202020204" pitchFamily="34" charset="0"/>
+              <a:buChar char="•"/>
+              <a:defRPr sz="800" kern="1200">
+                <a:solidFill>
+                  <a:srgbClr val="58595B"/>
+                </a:solidFill>
+                <a:latin typeface="Helvetica" pitchFamily="2" charset="0"/>
+                <a:ea typeface="+mn-ea"/>
+                <a:cs typeface="+mn-cs"/>
+              </a:defRPr>
+            </a:lvl5pPr>
+            <a:lvl6pPr marL="1885950" indent="-171450" algn="l" defTabSz="685800" rtl="0" eaLnBrk="1" latinLnBrk="0" hangingPunct="1">
+              <a:lnSpc>
+                <a:spcPct val="90000"/>
+              </a:lnSpc>
+              <a:spcBef>
+                <a:spcPts val="375"/>
+              </a:spcBef>
+              <a:buFont typeface="Arial" panose="020B0604020202020204" pitchFamily="34" charset="0"/>
+              <a:buChar char="•"/>
+              <a:defRPr sz="1350" kern="1200">
+                <a:solidFill>
+                  <a:schemeClr val="tx1"/>
+                </a:solidFill>
+                <a:latin typeface="+mn-lt"/>
+                <a:ea typeface="+mn-ea"/>
+                <a:cs typeface="+mn-cs"/>
+              </a:defRPr>
+            </a:lvl6pPr>
+            <a:lvl7pPr marL="2228850" indent="-171450" algn="l" defTabSz="685800" rtl="0" eaLnBrk="1" latinLnBrk="0" hangingPunct="1">
+              <a:lnSpc>
+                <a:spcPct val="90000"/>
+              </a:lnSpc>
+              <a:spcBef>
+                <a:spcPts val="375"/>
+              </a:spcBef>
+              <a:buFont typeface="Arial" panose="020B0604020202020204" pitchFamily="34" charset="0"/>
+              <a:buChar char="•"/>
+              <a:defRPr sz="1350" kern="1200">
+                <a:solidFill>
+                  <a:schemeClr val="tx1"/>
+                </a:solidFill>
+                <a:latin typeface="+mn-lt"/>
+                <a:ea typeface="+mn-ea"/>
+                <a:cs typeface="+mn-cs"/>
+              </a:defRPr>
+            </a:lvl7pPr>
+            <a:lvl8pPr marL="2571750" indent="-171450" algn="l" defTabSz="685800" rtl="0" eaLnBrk="1" latinLnBrk="0" hangingPunct="1">
+              <a:lnSpc>
+                <a:spcPct val="90000"/>
+              </a:lnSpc>
+              <a:spcBef>
+                <a:spcPts val="375"/>
+              </a:spcBef>
+              <a:buFont typeface="Arial" panose="020B0604020202020204" pitchFamily="34" charset="0"/>
+              <a:buChar char="•"/>
+              <a:defRPr sz="1350" kern="1200">
+                <a:solidFill>
+                  <a:schemeClr val="tx1"/>
+                </a:solidFill>
+                <a:latin typeface="+mn-lt"/>
+                <a:ea typeface="+mn-ea"/>
+                <a:cs typeface="+mn-cs"/>
+              </a:defRPr>
+            </a:lvl8pPr>
+            <a:lvl9pPr marL="2914650" indent="-171450" algn="l" defTabSz="685800" rtl="0" eaLnBrk="1" latinLnBrk="0" hangingPunct="1">
+              <a:lnSpc>
+                <a:spcPct val="90000"/>
+              </a:lnSpc>
+              <a:spcBef>
+                <a:spcPts val="375"/>
+              </a:spcBef>
+              <a:buFont typeface="Arial" panose="020B0604020202020204" pitchFamily="34" charset="0"/>
+              <a:buChar char="•"/>
+              <a:defRPr sz="1350" kern="1200">
+                <a:solidFill>
+                  <a:schemeClr val="tx1"/>
+                </a:solidFill>
+                <a:latin typeface="+mn-lt"/>
+                <a:ea typeface="+mn-ea"/>
+                <a:cs typeface="+mn-cs"/>
+              </a:defRPr>
+            </a:lvl9pPr>
+          </a:lstStyle>
+          <a:p>
+            <a:pPr algn="l"/>
+            <a:r>
+              <a:rPr lang="en-US" b="0" i="0" dirty="0">
+                <a:latin typeface="Helvetica Regular" pitchFamily="2" charset="0"/>
+              </a:rPr>
+              <a:t>Department of Statistics</a:t>
+            </a:r>
+          </a:p>
+        </p:txBody>
+      </p:sp>
     </p:spTree>
     <p:extLst>
       <p:ext uri="{BB962C8B-B14F-4D97-AF65-F5344CB8AC3E}">
@@ -10469,6 +10936,14 @@
 <file path=ppt/slides/slide4.xml><?xml version="1.0" encoding="utf-8"?>
 <p:sld xmlns:a="http://schemas.openxmlformats.org/drawingml/2006/main" xmlns:r="http://schemas.openxmlformats.org/officeDocument/2006/relationships" xmlns:p="http://schemas.openxmlformats.org/presentationml/2006/main">
   <p:cSld>
+    <p:bg>
+      <p:bgPr>
+        <a:solidFill>
+          <a:schemeClr val="bg1"/>
+        </a:solidFill>
+        <a:effectLst/>
+      </p:bgPr>
+    </p:bg>
     <p:spTree>
       <p:nvGrpSpPr>
         <p:cNvPr id="1" name=""/>
@@ -10485,74 +10960,1567 @@
       </p:grpSpPr>
       <p:sp>
         <p:nvSpPr>
-          <p:cNvPr id="5" name="Title 4">
+          <p:cNvPr id="15" name="Title 1">
             <a:extLst>
               <a:ext uri="{FF2B5EF4-FFF2-40B4-BE49-F238E27FC236}">
-                <a16:creationId xmlns:a16="http://schemas.microsoft.com/office/drawing/2014/main" id="{5036EDDF-4BBC-4A74-930D-6B890FEE58C9}"/>
+                <a16:creationId xmlns:a16="http://schemas.microsoft.com/office/drawing/2014/main" id="{7A397633-1AAB-4AF5-A50B-7437E8537D37}"/>
               </a:ext>
             </a:extLst>
           </p:cNvPr>
-          <p:cNvSpPr>
-            <a:spLocks noGrp="1"/>
-          </p:cNvSpPr>
-          <p:nvPr>
-            <p:ph type="title"/>
-          </p:nvPr>
-        </p:nvSpPr>
-        <p:spPr/>
-        <p:txBody>
-          <a:bodyPr/>
-          <a:lstStyle/>
-          <a:p>
-            <a:r>
-              <a:rPr lang="en-GB" dirty="0"/>
-              <a:t>Proposal</a:t>
-            </a:r>
-            <a:endParaRPr lang="en-US" dirty="0"/>
-          </a:p>
-        </p:txBody>
-      </p:sp>
-      <p:sp>
-        <p:nvSpPr>
-          <p:cNvPr id="6" name="Content Placeholder 5">
+          <p:cNvSpPr txBox="1">
+            <a:spLocks/>
+          </p:cNvSpPr>
+          <p:nvPr/>
+        </p:nvSpPr>
+        <p:spPr bwMode="black">
+          <a:xfrm>
+            <a:off x="3618074" y="245336"/>
+            <a:ext cx="4451773" cy="1174991"/>
+          </a:xfrm>
+          <a:prstGeom prst="rect">
+            <a:avLst/>
+          </a:prstGeom>
+          <a:noFill/>
+          <a:ln w="31750" cap="sq">
+            <a:solidFill>
+              <a:srgbClr val="FFFFFF"/>
+            </a:solidFill>
+            <a:miter lim="800000"/>
+          </a:ln>
+          <a:effectLst>
+            <a:glow rad="152400">
+              <a:srgbClr val="FFFFFF">
+                <a:alpha val="13000"/>
+              </a:srgbClr>
+            </a:glow>
+          </a:effectLst>
+        </p:spPr>
+        <p:txBody>
+          <a:bodyPr vert="horz" wrap="square" lIns="182880" tIns="182880" rIns="182880" bIns="182880" rtlCol="0" anchor="ctr">
+            <a:normAutofit/>
+          </a:bodyPr>
+          <a:lstStyle>
+            <a:lvl1pPr algn="ctr" defTabSz="914400" rtl="0" eaLnBrk="1" latinLnBrk="0" hangingPunct="1">
+              <a:lnSpc>
+                <a:spcPct val="90000"/>
+              </a:lnSpc>
+              <a:spcBef>
+                <a:spcPct val="0"/>
+              </a:spcBef>
+              <a:buNone/>
+              <a:defRPr sz="2800" kern="1200" cap="all" spc="200" baseline="0">
+                <a:solidFill>
+                  <a:srgbClr val="262626"/>
+                </a:solidFill>
+                <a:latin typeface="+mj-lt"/>
+                <a:ea typeface="+mj-ea"/>
+                <a:cs typeface="+mj-cs"/>
+              </a:defRPr>
+            </a:lvl1pPr>
+          </a:lstStyle>
+          <a:p>
+            <a:pPr marL="0" marR="0" lvl="0" indent="0" algn="ctr" defTabSz="914400" rtl="0" eaLnBrk="1" fontAlgn="auto" latinLnBrk="0" hangingPunct="1">
+              <a:lnSpc>
+                <a:spcPct val="90000"/>
+              </a:lnSpc>
+              <a:spcBef>
+                <a:spcPct val="0"/>
+              </a:spcBef>
+              <a:spcAft>
+                <a:spcPts val="0"/>
+              </a:spcAft>
+              <a:buClrTx/>
+              <a:buSzTx/>
+              <a:buFontTx/>
+              <a:buNone/>
+              <a:tabLst/>
+              <a:defRPr/>
+            </a:pPr>
+            <a:r>
+              <a:rPr kumimoji="0" lang="en-GB" sz="2800" b="0" i="0" u="none" strike="noStrike" kern="1200" cap="none" spc="200" normalizeH="0" baseline="0" noProof="0">
+                <a:ln>
+                  <a:noFill/>
+                </a:ln>
+                <a:solidFill>
+                  <a:srgbClr val="FFFFFF"/>
+                </a:solidFill>
+                <a:effectLst/>
+                <a:uLnTx/>
+                <a:uFillTx/>
+                <a:latin typeface="Gill Sans MT" panose="020B0502020104020203"/>
+                <a:ea typeface="+mj-ea"/>
+                <a:cs typeface="+mj-cs"/>
+              </a:rPr>
+              <a:t>Exploratory Analysis</a:t>
+            </a:r>
+            <a:endParaRPr kumimoji="0" lang="en-US" sz="2800" b="0" i="0" u="none" strike="noStrike" kern="1200" cap="none" spc="200" normalizeH="0" baseline="0" noProof="0" dirty="0">
+              <a:ln>
+                <a:noFill/>
+              </a:ln>
+              <a:solidFill>
+                <a:srgbClr val="FFFFFF"/>
+              </a:solidFill>
+              <a:effectLst/>
+              <a:uLnTx/>
+              <a:uFillTx/>
+              <a:latin typeface="Gill Sans MT" panose="020B0502020104020203"/>
+              <a:ea typeface="+mj-ea"/>
+              <a:cs typeface="+mj-cs"/>
+            </a:endParaRPr>
+          </a:p>
+        </p:txBody>
+      </p:sp>
+      <p:pic>
+        <p:nvPicPr>
+          <p:cNvPr id="3" name="Picture 2">
             <a:extLst>
               <a:ext uri="{FF2B5EF4-FFF2-40B4-BE49-F238E27FC236}">
-                <a16:creationId xmlns:a16="http://schemas.microsoft.com/office/drawing/2014/main" id="{A14A495E-AB0D-492C-AF39-49D131A1C4BE}"/>
+                <a16:creationId xmlns:a16="http://schemas.microsoft.com/office/drawing/2014/main" id="{700DF9CF-AE29-44EE-B55B-124BBC290B74}"/>
               </a:ext>
             </a:extLst>
           </p:cNvPr>
-          <p:cNvSpPr>
-            <a:spLocks noGrp="1"/>
-          </p:cNvSpPr>
-          <p:nvPr>
-            <p:ph idx="1"/>
-          </p:nvPr>
-        </p:nvSpPr>
-        <p:spPr/>
-        <p:txBody>
-          <a:bodyPr/>
-          <a:lstStyle/>
-          <a:p>
-            <a:r>
-              <a:rPr lang="en-GB" dirty="0"/>
-              <a:t>Conduct Time series analysis on Apple stock price using the daily closing price</a:t>
-            </a:r>
-          </a:p>
-          <a:p>
-            <a:r>
-              <a:rPr lang="en-GB" dirty="0"/>
-              <a:t>Product: Given input historical stock price data, produce a forecast of the short term price with a 95% confidence interval</a:t>
-            </a:r>
-          </a:p>
-          <a:p>
-            <a:endParaRPr lang="en-US" dirty="0"/>
+          <p:cNvPicPr>
+            <a:picLocks noChangeAspect="1"/>
+          </p:cNvPicPr>
+          <p:nvPr/>
+        </p:nvPicPr>
+        <p:blipFill>
+          <a:blip r:embed="rId2"/>
+          <a:stretch>
+            <a:fillRect/>
+          </a:stretch>
+        </p:blipFill>
+        <p:spPr>
+          <a:xfrm>
+            <a:off x="100746" y="1518730"/>
+            <a:ext cx="5434035" cy="2630714"/>
+          </a:xfrm>
+          <a:prstGeom prst="rect">
+            <a:avLst/>
+          </a:prstGeom>
+        </p:spPr>
+      </p:pic>
+      <p:pic>
+        <p:nvPicPr>
+          <p:cNvPr id="6" name="Picture 5">
+            <a:extLst>
+              <a:ext uri="{FF2B5EF4-FFF2-40B4-BE49-F238E27FC236}">
+                <a16:creationId xmlns:a16="http://schemas.microsoft.com/office/drawing/2014/main" id="{2EFC7670-9BBF-436A-B94D-5CB7CF1F137B}"/>
+              </a:ext>
+            </a:extLst>
+          </p:cNvPr>
+          <p:cNvPicPr>
+            <a:picLocks noChangeAspect="1"/>
+          </p:cNvPicPr>
+          <p:nvPr/>
+        </p:nvPicPr>
+        <p:blipFill>
+          <a:blip r:embed="rId3"/>
+          <a:stretch>
+            <a:fillRect/>
+          </a:stretch>
+        </p:blipFill>
+        <p:spPr>
+          <a:xfrm>
+            <a:off x="2341824" y="4330824"/>
+            <a:ext cx="8132838" cy="2346661"/>
+          </a:xfrm>
+          <a:prstGeom prst="rect">
+            <a:avLst/>
+          </a:prstGeom>
+        </p:spPr>
+      </p:pic>
+      <p:pic>
+        <p:nvPicPr>
+          <p:cNvPr id="7" name="Picture 6">
+            <a:extLst>
+              <a:ext uri="{FF2B5EF4-FFF2-40B4-BE49-F238E27FC236}">
+                <a16:creationId xmlns:a16="http://schemas.microsoft.com/office/drawing/2014/main" id="{D884ED36-D6CD-4EF9-87F1-3BDECA829788}"/>
+              </a:ext>
+            </a:extLst>
+          </p:cNvPr>
+          <p:cNvPicPr>
+            <a:picLocks noChangeAspect="1"/>
+          </p:cNvPicPr>
+          <p:nvPr/>
+        </p:nvPicPr>
+        <p:blipFill>
+          <a:blip r:embed="rId4"/>
+          <a:stretch>
+            <a:fillRect/>
+          </a:stretch>
+        </p:blipFill>
+        <p:spPr>
+          <a:xfrm>
+            <a:off x="5684763" y="1507320"/>
+            <a:ext cx="6342742" cy="2637045"/>
+          </a:xfrm>
+          <a:prstGeom prst="rect">
+            <a:avLst/>
+          </a:prstGeom>
+        </p:spPr>
+      </p:pic>
+      <p:pic>
+        <p:nvPicPr>
+          <p:cNvPr id="10" name="Brand logo">
+            <a:extLst>
+              <a:ext uri="{FF2B5EF4-FFF2-40B4-BE49-F238E27FC236}">
+                <a16:creationId xmlns:a16="http://schemas.microsoft.com/office/drawing/2014/main" id="{DB549B78-2232-4618-A84A-6B54BF60D8F7}"/>
+              </a:ext>
+            </a:extLst>
+          </p:cNvPr>
+          <p:cNvPicPr>
+            <a:picLocks noChangeAspect="1"/>
+          </p:cNvPicPr>
+          <p:nvPr/>
+        </p:nvPicPr>
+        <p:blipFill>
+          <a:blip r:embed="rId5">
+            <a:extLst>
+              <a:ext uri="{96DAC541-7B7A-43D3-8B79-37D633B846F1}">
+                <asvg:svgBlip xmlns:asvg="http://schemas.microsoft.com/office/drawing/2016/SVG/main" r:embed="rId6"/>
+              </a:ext>
+            </a:extLst>
+          </a:blip>
+          <a:stretch>
+            <a:fillRect/>
+          </a:stretch>
+        </p:blipFill>
+        <p:spPr>
+          <a:xfrm>
+            <a:off x="280005" y="6432631"/>
+            <a:ext cx="423229" cy="136525"/>
+          </a:xfrm>
+          <a:prstGeom prst="rect">
+            <a:avLst/>
+          </a:prstGeom>
+        </p:spPr>
+      </p:pic>
+      <p:sp>
+        <p:nvSpPr>
+          <p:cNvPr id="11" name="Text Placeholder-left">
+            <a:extLst>
+              <a:ext uri="{FF2B5EF4-FFF2-40B4-BE49-F238E27FC236}">
+                <a16:creationId xmlns:a16="http://schemas.microsoft.com/office/drawing/2014/main" id="{DAD3A8BF-EA02-4DA6-81D6-D452D161CF7B}"/>
+              </a:ext>
+            </a:extLst>
+          </p:cNvPr>
+          <p:cNvSpPr txBox="1">
+            <a:spLocks/>
+          </p:cNvSpPr>
+          <p:nvPr/>
+        </p:nvSpPr>
+        <p:spPr>
+          <a:xfrm>
+            <a:off x="983239" y="6488668"/>
+            <a:ext cx="2651760" cy="369332"/>
+          </a:xfrm>
+          <a:prstGeom prst="rect">
+            <a:avLst/>
+          </a:prstGeom>
+        </p:spPr>
+        <p:txBody>
+          <a:bodyPr wrap="square" lIns="0" tIns="0" rIns="0" bIns="256032">
+            <a:spAutoFit/>
+          </a:bodyPr>
+          <a:lstStyle>
+            <a:lvl1pPr marL="0" indent="0" algn="r" defTabSz="685800" rtl="0" eaLnBrk="1" latinLnBrk="0" hangingPunct="1">
+              <a:lnSpc>
+                <a:spcPct val="90000"/>
+              </a:lnSpc>
+              <a:spcBef>
+                <a:spcPts val="750"/>
+              </a:spcBef>
+              <a:buFontTx/>
+              <a:buNone/>
+              <a:defRPr sz="800" kern="1200">
+                <a:solidFill>
+                  <a:srgbClr val="898989"/>
+                </a:solidFill>
+                <a:latin typeface="Helvetica" pitchFamily="2" charset="0"/>
+                <a:ea typeface="+mn-ea"/>
+                <a:cs typeface="+mn-cs"/>
+              </a:defRPr>
+            </a:lvl1pPr>
+            <a:lvl2pPr marL="342900" indent="0" algn="l" defTabSz="685800" rtl="0" eaLnBrk="1" latinLnBrk="0" hangingPunct="1">
+              <a:lnSpc>
+                <a:spcPct val="100000"/>
+              </a:lnSpc>
+              <a:spcBef>
+                <a:spcPts val="375"/>
+              </a:spcBef>
+              <a:buFontTx/>
+              <a:buNone/>
+              <a:defRPr sz="800" kern="1200">
+                <a:solidFill>
+                  <a:srgbClr val="58595B"/>
+                </a:solidFill>
+                <a:latin typeface="Helvetica" pitchFamily="2" charset="0"/>
+                <a:ea typeface="+mn-ea"/>
+                <a:cs typeface="+mn-cs"/>
+              </a:defRPr>
+            </a:lvl2pPr>
+            <a:lvl3pPr marL="857250" indent="-171450" algn="l" defTabSz="685800" rtl="0" eaLnBrk="1" latinLnBrk="0" hangingPunct="1">
+              <a:lnSpc>
+                <a:spcPct val="90000"/>
+              </a:lnSpc>
+              <a:spcBef>
+                <a:spcPts val="375"/>
+              </a:spcBef>
+              <a:buFont typeface="Arial" panose="020B0604020202020204" pitchFamily="34" charset="0"/>
+              <a:buChar char="•"/>
+              <a:defRPr sz="800" kern="1200">
+                <a:solidFill>
+                  <a:srgbClr val="58595B"/>
+                </a:solidFill>
+                <a:latin typeface="Helvetica" pitchFamily="2" charset="0"/>
+                <a:ea typeface="+mn-ea"/>
+                <a:cs typeface="+mn-cs"/>
+              </a:defRPr>
+            </a:lvl3pPr>
+            <a:lvl4pPr marL="1200150" indent="-171450" algn="l" defTabSz="685800" rtl="0" eaLnBrk="1" latinLnBrk="0" hangingPunct="1">
+              <a:lnSpc>
+                <a:spcPct val="90000"/>
+              </a:lnSpc>
+              <a:spcBef>
+                <a:spcPts val="375"/>
+              </a:spcBef>
+              <a:buFont typeface="Arial" panose="020B0604020202020204" pitchFamily="34" charset="0"/>
+              <a:buChar char="•"/>
+              <a:defRPr sz="800" b="1" i="0" kern="1200">
+                <a:solidFill>
+                  <a:srgbClr val="58595B"/>
+                </a:solidFill>
+                <a:latin typeface="Helvetica" pitchFamily="2" charset="0"/>
+                <a:ea typeface="+mn-ea"/>
+                <a:cs typeface="+mn-cs"/>
+              </a:defRPr>
+            </a:lvl4pPr>
+            <a:lvl5pPr marL="1543050" indent="-171450" algn="l" defTabSz="685800" rtl="0" eaLnBrk="1" latinLnBrk="0" hangingPunct="1">
+              <a:lnSpc>
+                <a:spcPct val="90000"/>
+              </a:lnSpc>
+              <a:spcBef>
+                <a:spcPts val="375"/>
+              </a:spcBef>
+              <a:buFont typeface="Arial" panose="020B0604020202020204" pitchFamily="34" charset="0"/>
+              <a:buChar char="•"/>
+              <a:defRPr sz="800" kern="1200">
+                <a:solidFill>
+                  <a:srgbClr val="58595B"/>
+                </a:solidFill>
+                <a:latin typeface="Helvetica" pitchFamily="2" charset="0"/>
+                <a:ea typeface="+mn-ea"/>
+                <a:cs typeface="+mn-cs"/>
+              </a:defRPr>
+            </a:lvl5pPr>
+            <a:lvl6pPr marL="1885950" indent="-171450" algn="l" defTabSz="685800" rtl="0" eaLnBrk="1" latinLnBrk="0" hangingPunct="1">
+              <a:lnSpc>
+                <a:spcPct val="90000"/>
+              </a:lnSpc>
+              <a:spcBef>
+                <a:spcPts val="375"/>
+              </a:spcBef>
+              <a:buFont typeface="Arial" panose="020B0604020202020204" pitchFamily="34" charset="0"/>
+              <a:buChar char="•"/>
+              <a:defRPr sz="1350" kern="1200">
+                <a:solidFill>
+                  <a:schemeClr val="tx1"/>
+                </a:solidFill>
+                <a:latin typeface="+mn-lt"/>
+                <a:ea typeface="+mn-ea"/>
+                <a:cs typeface="+mn-cs"/>
+              </a:defRPr>
+            </a:lvl6pPr>
+            <a:lvl7pPr marL="2228850" indent="-171450" algn="l" defTabSz="685800" rtl="0" eaLnBrk="1" latinLnBrk="0" hangingPunct="1">
+              <a:lnSpc>
+                <a:spcPct val="90000"/>
+              </a:lnSpc>
+              <a:spcBef>
+                <a:spcPts val="375"/>
+              </a:spcBef>
+              <a:buFont typeface="Arial" panose="020B0604020202020204" pitchFamily="34" charset="0"/>
+              <a:buChar char="•"/>
+              <a:defRPr sz="1350" kern="1200">
+                <a:solidFill>
+                  <a:schemeClr val="tx1"/>
+                </a:solidFill>
+                <a:latin typeface="+mn-lt"/>
+                <a:ea typeface="+mn-ea"/>
+                <a:cs typeface="+mn-cs"/>
+              </a:defRPr>
+            </a:lvl7pPr>
+            <a:lvl8pPr marL="2571750" indent="-171450" algn="l" defTabSz="685800" rtl="0" eaLnBrk="1" latinLnBrk="0" hangingPunct="1">
+              <a:lnSpc>
+                <a:spcPct val="90000"/>
+              </a:lnSpc>
+              <a:spcBef>
+                <a:spcPts val="375"/>
+              </a:spcBef>
+              <a:buFont typeface="Arial" panose="020B0604020202020204" pitchFamily="34" charset="0"/>
+              <a:buChar char="•"/>
+              <a:defRPr sz="1350" kern="1200">
+                <a:solidFill>
+                  <a:schemeClr val="tx1"/>
+                </a:solidFill>
+                <a:latin typeface="+mn-lt"/>
+                <a:ea typeface="+mn-ea"/>
+                <a:cs typeface="+mn-cs"/>
+              </a:defRPr>
+            </a:lvl8pPr>
+            <a:lvl9pPr marL="2914650" indent="-171450" algn="l" defTabSz="685800" rtl="0" eaLnBrk="1" latinLnBrk="0" hangingPunct="1">
+              <a:lnSpc>
+                <a:spcPct val="90000"/>
+              </a:lnSpc>
+              <a:spcBef>
+                <a:spcPts val="375"/>
+              </a:spcBef>
+              <a:buFont typeface="Arial" panose="020B0604020202020204" pitchFamily="34" charset="0"/>
+              <a:buChar char="•"/>
+              <a:defRPr sz="1350" kern="1200">
+                <a:solidFill>
+                  <a:schemeClr val="tx1"/>
+                </a:solidFill>
+                <a:latin typeface="+mn-lt"/>
+                <a:ea typeface="+mn-ea"/>
+                <a:cs typeface="+mn-cs"/>
+              </a:defRPr>
+            </a:lvl9pPr>
+          </a:lstStyle>
+          <a:p>
+            <a:pPr algn="l"/>
+            <a:r>
+              <a:rPr lang="en-US" b="0" i="0" dirty="0">
+                <a:latin typeface="Helvetica Regular" pitchFamily="2" charset="0"/>
+              </a:rPr>
+              <a:t>Department of Statistics</a:t>
+            </a:r>
           </a:p>
         </p:txBody>
       </p:sp>
     </p:spTree>
     <p:extLst>
       <p:ext uri="{BB962C8B-B14F-4D97-AF65-F5344CB8AC3E}">
-        <p14:creationId xmlns:p14="http://schemas.microsoft.com/office/powerpoint/2010/main" val="1496927111"/>
+        <p14:creationId xmlns:p14="http://schemas.microsoft.com/office/powerpoint/2010/main" val="102151706"/>
+      </p:ext>
+    </p:extLst>
+  </p:cSld>
+  <p:clrMapOvr>
+    <a:masterClrMapping/>
+  </p:clrMapOvr>
+</p:sld>
+</file>
+
+<file path=ppt/slides/slide5.xml><?xml version="1.0" encoding="utf-8"?>
+<p:sld xmlns:a="http://schemas.openxmlformats.org/drawingml/2006/main" xmlns:r="http://schemas.openxmlformats.org/officeDocument/2006/relationships" xmlns:p="http://schemas.openxmlformats.org/presentationml/2006/main">
+  <p:cSld>
+    <p:bg>
+      <p:bgPr>
+        <a:solidFill>
+          <a:schemeClr val="bg1"/>
+        </a:solidFill>
+        <a:effectLst/>
+      </p:bgPr>
+    </p:bg>
+    <p:spTree>
+      <p:nvGrpSpPr>
+        <p:cNvPr id="1" name=""/>
+        <p:cNvGrpSpPr/>
+        <p:nvPr/>
+      </p:nvGrpSpPr>
+      <p:grpSpPr>
+        <a:xfrm>
+          <a:off x="0" y="0"/>
+          <a:ext cx="0" cy="0"/>
+          <a:chOff x="0" y="0"/>
+          <a:chExt cx="0" cy="0"/>
+        </a:xfrm>
+      </p:grpSpPr>
+      <p:sp>
+        <p:nvSpPr>
+          <p:cNvPr id="15" name="Title 1">
+            <a:extLst>
+              <a:ext uri="{FF2B5EF4-FFF2-40B4-BE49-F238E27FC236}">
+                <a16:creationId xmlns:a16="http://schemas.microsoft.com/office/drawing/2014/main" id="{7A397633-1AAB-4AF5-A50B-7437E8537D37}"/>
+              </a:ext>
+            </a:extLst>
+          </p:cNvPr>
+          <p:cNvSpPr txBox="1">
+            <a:spLocks/>
+          </p:cNvSpPr>
+          <p:nvPr/>
+        </p:nvSpPr>
+        <p:spPr bwMode="black">
+          <a:xfrm>
+            <a:off x="3618074" y="245336"/>
+            <a:ext cx="4451773" cy="1174991"/>
+          </a:xfrm>
+          <a:prstGeom prst="rect">
+            <a:avLst/>
+          </a:prstGeom>
+          <a:noFill/>
+          <a:ln w="31750" cap="sq">
+            <a:solidFill>
+              <a:srgbClr val="FFFFFF"/>
+            </a:solidFill>
+            <a:miter lim="800000"/>
+          </a:ln>
+          <a:effectLst>
+            <a:glow rad="152400">
+              <a:srgbClr val="FFFFFF">
+                <a:alpha val="13000"/>
+              </a:srgbClr>
+            </a:glow>
+          </a:effectLst>
+        </p:spPr>
+        <p:txBody>
+          <a:bodyPr vert="horz" wrap="square" lIns="182880" tIns="182880" rIns="182880" bIns="182880" rtlCol="0" anchor="ctr">
+            <a:normAutofit/>
+          </a:bodyPr>
+          <a:lstStyle>
+            <a:lvl1pPr algn="ctr" defTabSz="914400" rtl="0" eaLnBrk="1" latinLnBrk="0" hangingPunct="1">
+              <a:lnSpc>
+                <a:spcPct val="90000"/>
+              </a:lnSpc>
+              <a:spcBef>
+                <a:spcPct val="0"/>
+              </a:spcBef>
+              <a:buNone/>
+              <a:defRPr sz="2800" kern="1200" cap="all" spc="200" baseline="0">
+                <a:solidFill>
+                  <a:srgbClr val="262626"/>
+                </a:solidFill>
+                <a:latin typeface="+mj-lt"/>
+                <a:ea typeface="+mj-ea"/>
+                <a:cs typeface="+mj-cs"/>
+              </a:defRPr>
+            </a:lvl1pPr>
+          </a:lstStyle>
+          <a:p>
+            <a:pPr lvl="0">
+              <a:defRPr/>
+            </a:pPr>
+            <a:r>
+              <a:rPr lang="en-GB" cap="none" dirty="0">
+                <a:solidFill>
+                  <a:srgbClr val="FFFFFF"/>
+                </a:solidFill>
+                <a:latin typeface="Gill Sans MT" panose="020B0502020104020203"/>
+              </a:rPr>
+              <a:t>Model Analysis</a:t>
+            </a:r>
+            <a:endParaRPr lang="en-US" cap="none" dirty="0">
+              <a:solidFill>
+                <a:srgbClr val="FFFFFF"/>
+              </a:solidFill>
+              <a:latin typeface="Gill Sans MT" panose="020B0502020104020203"/>
+            </a:endParaRPr>
+          </a:p>
+        </p:txBody>
+      </p:sp>
+      <p:sp>
+        <p:nvSpPr>
+          <p:cNvPr id="18" name="TextBox 17">
+            <a:extLst>
+              <a:ext uri="{FF2B5EF4-FFF2-40B4-BE49-F238E27FC236}">
+                <a16:creationId xmlns:a16="http://schemas.microsoft.com/office/drawing/2014/main" id="{A1F0834B-ED4E-4C40-99A4-BDBDCC3F8078}"/>
+              </a:ext>
+            </a:extLst>
+          </p:cNvPr>
+          <p:cNvSpPr txBox="1"/>
+          <p:nvPr/>
+        </p:nvSpPr>
+        <p:spPr>
+          <a:xfrm>
+            <a:off x="4151872" y="5611782"/>
+            <a:ext cx="3908135" cy="369332"/>
+          </a:xfrm>
+          <a:prstGeom prst="rect">
+            <a:avLst/>
+          </a:prstGeom>
+          <a:noFill/>
+          <a:ln>
+            <a:solidFill>
+              <a:schemeClr val="tx2">
+                <a:lumMod val="20000"/>
+                <a:lumOff val="80000"/>
+              </a:schemeClr>
+            </a:solidFill>
+          </a:ln>
+        </p:spPr>
+        <p:txBody>
+          <a:bodyPr wrap="square" rtlCol="0">
+            <a:spAutoFit/>
+          </a:bodyPr>
+          <a:lstStyle/>
+          <a:p>
+            <a:pPr algn="ctr"/>
+            <a:r>
+              <a:rPr lang="en-GB" dirty="0">
+                <a:latin typeface="+mj-lt"/>
+              </a:rPr>
+              <a:t>RMSE: </a:t>
+            </a:r>
+            <a:r>
+              <a:rPr lang="en-US" dirty="0"/>
+              <a:t>5.0224385057219685</a:t>
+            </a:r>
+            <a:endParaRPr lang="en-US" dirty="0">
+              <a:latin typeface="+mj-lt"/>
+            </a:endParaRPr>
+          </a:p>
+        </p:txBody>
+      </p:sp>
+      <p:pic>
+        <p:nvPicPr>
+          <p:cNvPr id="6" name="Picture 5">
+            <a:extLst>
+              <a:ext uri="{FF2B5EF4-FFF2-40B4-BE49-F238E27FC236}">
+                <a16:creationId xmlns:a16="http://schemas.microsoft.com/office/drawing/2014/main" id="{DF649C12-019A-4CBB-8C40-72CB636EA197}"/>
+              </a:ext>
+            </a:extLst>
+          </p:cNvPr>
+          <p:cNvPicPr>
+            <a:picLocks noChangeAspect="1"/>
+          </p:cNvPicPr>
+          <p:nvPr/>
+        </p:nvPicPr>
+        <p:blipFill>
+          <a:blip r:embed="rId2"/>
+          <a:stretch>
+            <a:fillRect/>
+          </a:stretch>
+        </p:blipFill>
+        <p:spPr>
+          <a:xfrm>
+            <a:off x="295804" y="1754431"/>
+            <a:ext cx="4133154" cy="3523247"/>
+          </a:xfrm>
+          <a:prstGeom prst="rect">
+            <a:avLst/>
+          </a:prstGeom>
+        </p:spPr>
+      </p:pic>
+      <p:pic>
+        <p:nvPicPr>
+          <p:cNvPr id="7" name="Picture 6">
+            <a:extLst>
+              <a:ext uri="{FF2B5EF4-FFF2-40B4-BE49-F238E27FC236}">
+                <a16:creationId xmlns:a16="http://schemas.microsoft.com/office/drawing/2014/main" id="{008D5897-58C9-4E1B-A24E-A8FA016FE125}"/>
+              </a:ext>
+            </a:extLst>
+          </p:cNvPr>
+          <p:cNvPicPr>
+            <a:picLocks noChangeAspect="1"/>
+          </p:cNvPicPr>
+          <p:nvPr/>
+        </p:nvPicPr>
+        <p:blipFill>
+          <a:blip r:embed="rId3"/>
+          <a:stretch>
+            <a:fillRect/>
+          </a:stretch>
+        </p:blipFill>
+        <p:spPr>
+          <a:xfrm>
+            <a:off x="7978770" y="1754431"/>
+            <a:ext cx="3798137" cy="3505504"/>
+          </a:xfrm>
+          <a:prstGeom prst="rect">
+            <a:avLst/>
+          </a:prstGeom>
+        </p:spPr>
+      </p:pic>
+      <p:pic>
+        <p:nvPicPr>
+          <p:cNvPr id="10" name="Brand logo">
+            <a:extLst>
+              <a:ext uri="{FF2B5EF4-FFF2-40B4-BE49-F238E27FC236}">
+                <a16:creationId xmlns:a16="http://schemas.microsoft.com/office/drawing/2014/main" id="{444997C1-0F74-4506-9DED-927F45E9F7DD}"/>
+              </a:ext>
+            </a:extLst>
+          </p:cNvPr>
+          <p:cNvPicPr>
+            <a:picLocks noChangeAspect="1"/>
+          </p:cNvPicPr>
+          <p:nvPr/>
+        </p:nvPicPr>
+        <p:blipFill>
+          <a:blip r:embed="rId4">
+            <a:extLst>
+              <a:ext uri="{96DAC541-7B7A-43D3-8B79-37D633B846F1}">
+                <asvg:svgBlip xmlns:asvg="http://schemas.microsoft.com/office/drawing/2016/SVG/main" r:embed="rId5"/>
+              </a:ext>
+            </a:extLst>
+          </a:blip>
+          <a:stretch>
+            <a:fillRect/>
+          </a:stretch>
+        </p:blipFill>
+        <p:spPr>
+          <a:xfrm>
+            <a:off x="280005" y="6432631"/>
+            <a:ext cx="423229" cy="136525"/>
+          </a:xfrm>
+          <a:prstGeom prst="rect">
+            <a:avLst/>
+          </a:prstGeom>
+        </p:spPr>
+      </p:pic>
+      <p:sp>
+        <p:nvSpPr>
+          <p:cNvPr id="11" name="Text Placeholder-left">
+            <a:extLst>
+              <a:ext uri="{FF2B5EF4-FFF2-40B4-BE49-F238E27FC236}">
+                <a16:creationId xmlns:a16="http://schemas.microsoft.com/office/drawing/2014/main" id="{A1536B61-203A-4491-AFB5-91CE7302AD53}"/>
+              </a:ext>
+            </a:extLst>
+          </p:cNvPr>
+          <p:cNvSpPr txBox="1">
+            <a:spLocks/>
+          </p:cNvSpPr>
+          <p:nvPr/>
+        </p:nvSpPr>
+        <p:spPr>
+          <a:xfrm>
+            <a:off x="983239" y="6488668"/>
+            <a:ext cx="2651760" cy="369332"/>
+          </a:xfrm>
+          <a:prstGeom prst="rect">
+            <a:avLst/>
+          </a:prstGeom>
+        </p:spPr>
+        <p:txBody>
+          <a:bodyPr wrap="square" lIns="0" tIns="0" rIns="0" bIns="256032">
+            <a:spAutoFit/>
+          </a:bodyPr>
+          <a:lstStyle>
+            <a:lvl1pPr marL="0" indent="0" algn="r" defTabSz="685800" rtl="0" eaLnBrk="1" latinLnBrk="0" hangingPunct="1">
+              <a:lnSpc>
+                <a:spcPct val="90000"/>
+              </a:lnSpc>
+              <a:spcBef>
+                <a:spcPts val="750"/>
+              </a:spcBef>
+              <a:buFontTx/>
+              <a:buNone/>
+              <a:defRPr sz="800" kern="1200">
+                <a:solidFill>
+                  <a:srgbClr val="898989"/>
+                </a:solidFill>
+                <a:latin typeface="Helvetica" pitchFamily="2" charset="0"/>
+                <a:ea typeface="+mn-ea"/>
+                <a:cs typeface="+mn-cs"/>
+              </a:defRPr>
+            </a:lvl1pPr>
+            <a:lvl2pPr marL="342900" indent="0" algn="l" defTabSz="685800" rtl="0" eaLnBrk="1" latinLnBrk="0" hangingPunct="1">
+              <a:lnSpc>
+                <a:spcPct val="100000"/>
+              </a:lnSpc>
+              <a:spcBef>
+                <a:spcPts val="375"/>
+              </a:spcBef>
+              <a:buFontTx/>
+              <a:buNone/>
+              <a:defRPr sz="800" kern="1200">
+                <a:solidFill>
+                  <a:srgbClr val="58595B"/>
+                </a:solidFill>
+                <a:latin typeface="Helvetica" pitchFamily="2" charset="0"/>
+                <a:ea typeface="+mn-ea"/>
+                <a:cs typeface="+mn-cs"/>
+              </a:defRPr>
+            </a:lvl2pPr>
+            <a:lvl3pPr marL="857250" indent="-171450" algn="l" defTabSz="685800" rtl="0" eaLnBrk="1" latinLnBrk="0" hangingPunct="1">
+              <a:lnSpc>
+                <a:spcPct val="90000"/>
+              </a:lnSpc>
+              <a:spcBef>
+                <a:spcPts val="375"/>
+              </a:spcBef>
+              <a:buFont typeface="Arial" panose="020B0604020202020204" pitchFamily="34" charset="0"/>
+              <a:buChar char="•"/>
+              <a:defRPr sz="800" kern="1200">
+                <a:solidFill>
+                  <a:srgbClr val="58595B"/>
+                </a:solidFill>
+                <a:latin typeface="Helvetica" pitchFamily="2" charset="0"/>
+                <a:ea typeface="+mn-ea"/>
+                <a:cs typeface="+mn-cs"/>
+              </a:defRPr>
+            </a:lvl3pPr>
+            <a:lvl4pPr marL="1200150" indent="-171450" algn="l" defTabSz="685800" rtl="0" eaLnBrk="1" latinLnBrk="0" hangingPunct="1">
+              <a:lnSpc>
+                <a:spcPct val="90000"/>
+              </a:lnSpc>
+              <a:spcBef>
+                <a:spcPts val="375"/>
+              </a:spcBef>
+              <a:buFont typeface="Arial" panose="020B0604020202020204" pitchFamily="34" charset="0"/>
+              <a:buChar char="•"/>
+              <a:defRPr sz="800" b="1" i="0" kern="1200">
+                <a:solidFill>
+                  <a:srgbClr val="58595B"/>
+                </a:solidFill>
+                <a:latin typeface="Helvetica" pitchFamily="2" charset="0"/>
+                <a:ea typeface="+mn-ea"/>
+                <a:cs typeface="+mn-cs"/>
+              </a:defRPr>
+            </a:lvl4pPr>
+            <a:lvl5pPr marL="1543050" indent="-171450" algn="l" defTabSz="685800" rtl="0" eaLnBrk="1" latinLnBrk="0" hangingPunct="1">
+              <a:lnSpc>
+                <a:spcPct val="90000"/>
+              </a:lnSpc>
+              <a:spcBef>
+                <a:spcPts val="375"/>
+              </a:spcBef>
+              <a:buFont typeface="Arial" panose="020B0604020202020204" pitchFamily="34" charset="0"/>
+              <a:buChar char="•"/>
+              <a:defRPr sz="800" kern="1200">
+                <a:solidFill>
+                  <a:srgbClr val="58595B"/>
+                </a:solidFill>
+                <a:latin typeface="Helvetica" pitchFamily="2" charset="0"/>
+                <a:ea typeface="+mn-ea"/>
+                <a:cs typeface="+mn-cs"/>
+              </a:defRPr>
+            </a:lvl5pPr>
+            <a:lvl6pPr marL="1885950" indent="-171450" algn="l" defTabSz="685800" rtl="0" eaLnBrk="1" latinLnBrk="0" hangingPunct="1">
+              <a:lnSpc>
+                <a:spcPct val="90000"/>
+              </a:lnSpc>
+              <a:spcBef>
+                <a:spcPts val="375"/>
+              </a:spcBef>
+              <a:buFont typeface="Arial" panose="020B0604020202020204" pitchFamily="34" charset="0"/>
+              <a:buChar char="•"/>
+              <a:defRPr sz="1350" kern="1200">
+                <a:solidFill>
+                  <a:schemeClr val="tx1"/>
+                </a:solidFill>
+                <a:latin typeface="+mn-lt"/>
+                <a:ea typeface="+mn-ea"/>
+                <a:cs typeface="+mn-cs"/>
+              </a:defRPr>
+            </a:lvl6pPr>
+            <a:lvl7pPr marL="2228850" indent="-171450" algn="l" defTabSz="685800" rtl="0" eaLnBrk="1" latinLnBrk="0" hangingPunct="1">
+              <a:lnSpc>
+                <a:spcPct val="90000"/>
+              </a:lnSpc>
+              <a:spcBef>
+                <a:spcPts val="375"/>
+              </a:spcBef>
+              <a:buFont typeface="Arial" panose="020B0604020202020204" pitchFamily="34" charset="0"/>
+              <a:buChar char="•"/>
+              <a:defRPr sz="1350" kern="1200">
+                <a:solidFill>
+                  <a:schemeClr val="tx1"/>
+                </a:solidFill>
+                <a:latin typeface="+mn-lt"/>
+                <a:ea typeface="+mn-ea"/>
+                <a:cs typeface="+mn-cs"/>
+              </a:defRPr>
+            </a:lvl7pPr>
+            <a:lvl8pPr marL="2571750" indent="-171450" algn="l" defTabSz="685800" rtl="0" eaLnBrk="1" latinLnBrk="0" hangingPunct="1">
+              <a:lnSpc>
+                <a:spcPct val="90000"/>
+              </a:lnSpc>
+              <a:spcBef>
+                <a:spcPts val="375"/>
+              </a:spcBef>
+              <a:buFont typeface="Arial" panose="020B0604020202020204" pitchFamily="34" charset="0"/>
+              <a:buChar char="•"/>
+              <a:defRPr sz="1350" kern="1200">
+                <a:solidFill>
+                  <a:schemeClr val="tx1"/>
+                </a:solidFill>
+                <a:latin typeface="+mn-lt"/>
+                <a:ea typeface="+mn-ea"/>
+                <a:cs typeface="+mn-cs"/>
+              </a:defRPr>
+            </a:lvl8pPr>
+            <a:lvl9pPr marL="2914650" indent="-171450" algn="l" defTabSz="685800" rtl="0" eaLnBrk="1" latinLnBrk="0" hangingPunct="1">
+              <a:lnSpc>
+                <a:spcPct val="90000"/>
+              </a:lnSpc>
+              <a:spcBef>
+                <a:spcPts val="375"/>
+              </a:spcBef>
+              <a:buFont typeface="Arial" panose="020B0604020202020204" pitchFamily="34" charset="0"/>
+              <a:buChar char="•"/>
+              <a:defRPr sz="1350" kern="1200">
+                <a:solidFill>
+                  <a:schemeClr val="tx1"/>
+                </a:solidFill>
+                <a:latin typeface="+mn-lt"/>
+                <a:ea typeface="+mn-ea"/>
+                <a:cs typeface="+mn-cs"/>
+              </a:defRPr>
+            </a:lvl9pPr>
+          </a:lstStyle>
+          <a:p>
+            <a:pPr algn="l"/>
+            <a:r>
+              <a:rPr lang="en-US" b="0" i="0" dirty="0">
+                <a:latin typeface="Helvetica Regular" pitchFamily="2" charset="0"/>
+              </a:rPr>
+              <a:t>Department of Statistics</a:t>
+            </a:r>
+          </a:p>
+        </p:txBody>
+      </p:sp>
+    </p:spTree>
+    <p:extLst>
+      <p:ext uri="{BB962C8B-B14F-4D97-AF65-F5344CB8AC3E}">
+        <p14:creationId xmlns:p14="http://schemas.microsoft.com/office/powerpoint/2010/main" val="3357275268"/>
+      </p:ext>
+    </p:extLst>
+  </p:cSld>
+  <p:clrMapOvr>
+    <a:masterClrMapping/>
+  </p:clrMapOvr>
+</p:sld>
+</file>
+
+<file path=ppt/slides/slide6.xml><?xml version="1.0" encoding="utf-8"?>
+<p:sld xmlns:a="http://schemas.openxmlformats.org/drawingml/2006/main" xmlns:r="http://schemas.openxmlformats.org/officeDocument/2006/relationships" xmlns:p="http://schemas.openxmlformats.org/presentationml/2006/main">
+  <p:cSld>
+    <p:bg>
+      <p:bgPr>
+        <a:solidFill>
+          <a:schemeClr val="bg1"/>
+        </a:solidFill>
+        <a:effectLst/>
+      </p:bgPr>
+    </p:bg>
+    <p:spTree>
+      <p:nvGrpSpPr>
+        <p:cNvPr id="1" name=""/>
+        <p:cNvGrpSpPr/>
+        <p:nvPr/>
+      </p:nvGrpSpPr>
+      <p:grpSpPr>
+        <a:xfrm>
+          <a:off x="0" y="0"/>
+          <a:ext cx="0" cy="0"/>
+          <a:chOff x="0" y="0"/>
+          <a:chExt cx="0" cy="0"/>
+        </a:xfrm>
+      </p:grpSpPr>
+      <p:sp>
+        <p:nvSpPr>
+          <p:cNvPr id="15" name="Title 1">
+            <a:extLst>
+              <a:ext uri="{FF2B5EF4-FFF2-40B4-BE49-F238E27FC236}">
+                <a16:creationId xmlns:a16="http://schemas.microsoft.com/office/drawing/2014/main" id="{7A397633-1AAB-4AF5-A50B-7437E8537D37}"/>
+              </a:ext>
+            </a:extLst>
+          </p:cNvPr>
+          <p:cNvSpPr txBox="1">
+            <a:spLocks/>
+          </p:cNvSpPr>
+          <p:nvPr/>
+        </p:nvSpPr>
+        <p:spPr bwMode="black">
+          <a:xfrm>
+            <a:off x="3618074" y="245336"/>
+            <a:ext cx="4451773" cy="1174991"/>
+          </a:xfrm>
+          <a:prstGeom prst="rect">
+            <a:avLst/>
+          </a:prstGeom>
+          <a:noFill/>
+          <a:ln w="31750" cap="sq">
+            <a:solidFill>
+              <a:srgbClr val="FFFFFF"/>
+            </a:solidFill>
+            <a:miter lim="800000"/>
+          </a:ln>
+          <a:effectLst>
+            <a:glow rad="152400">
+              <a:srgbClr val="FFFFFF">
+                <a:alpha val="13000"/>
+              </a:srgbClr>
+            </a:glow>
+          </a:effectLst>
+        </p:spPr>
+        <p:txBody>
+          <a:bodyPr vert="horz" wrap="square" lIns="182880" tIns="182880" rIns="182880" bIns="182880" rtlCol="0" anchor="ctr">
+            <a:normAutofit/>
+          </a:bodyPr>
+          <a:lstStyle>
+            <a:lvl1pPr algn="ctr" defTabSz="914400" rtl="0" eaLnBrk="1" latinLnBrk="0" hangingPunct="1">
+              <a:lnSpc>
+                <a:spcPct val="90000"/>
+              </a:lnSpc>
+              <a:spcBef>
+                <a:spcPct val="0"/>
+              </a:spcBef>
+              <a:buNone/>
+              <a:defRPr sz="2800" kern="1200" cap="all" spc="200" baseline="0">
+                <a:solidFill>
+                  <a:srgbClr val="262626"/>
+                </a:solidFill>
+                <a:latin typeface="+mj-lt"/>
+                <a:ea typeface="+mj-ea"/>
+                <a:cs typeface="+mj-cs"/>
+              </a:defRPr>
+            </a:lvl1pPr>
+          </a:lstStyle>
+          <a:p>
+            <a:pPr marL="0" marR="0" lvl="0" indent="0" algn="ctr" defTabSz="914400" rtl="0" eaLnBrk="1" fontAlgn="auto" latinLnBrk="0" hangingPunct="1">
+              <a:lnSpc>
+                <a:spcPct val="90000"/>
+              </a:lnSpc>
+              <a:spcBef>
+                <a:spcPct val="0"/>
+              </a:spcBef>
+              <a:spcAft>
+                <a:spcPts val="0"/>
+              </a:spcAft>
+              <a:buClrTx/>
+              <a:buSzTx/>
+              <a:buFontTx/>
+              <a:buNone/>
+              <a:tabLst/>
+              <a:defRPr/>
+            </a:pPr>
+            <a:r>
+              <a:rPr kumimoji="0" lang="en-GB" sz="2800" b="0" i="0" u="none" strike="noStrike" kern="1200" cap="none" spc="200" normalizeH="0" baseline="0" noProof="0" dirty="0">
+                <a:ln>
+                  <a:noFill/>
+                </a:ln>
+                <a:solidFill>
+                  <a:srgbClr val="FFFFFF"/>
+                </a:solidFill>
+                <a:effectLst/>
+                <a:uLnTx/>
+                <a:uFillTx/>
+                <a:latin typeface="Gill Sans MT" panose="020B0502020104020203"/>
+                <a:ea typeface="+mj-ea"/>
+                <a:cs typeface="+mj-cs"/>
+              </a:rPr>
+              <a:t>Deployment</a:t>
+            </a:r>
+            <a:endParaRPr kumimoji="0" lang="en-US" sz="2800" b="0" i="0" u="none" strike="noStrike" kern="1200" cap="none" spc="200" normalizeH="0" baseline="0" noProof="0" dirty="0">
+              <a:ln>
+                <a:noFill/>
+              </a:ln>
+              <a:solidFill>
+                <a:srgbClr val="FFFFFF"/>
+              </a:solidFill>
+              <a:effectLst/>
+              <a:uLnTx/>
+              <a:uFillTx/>
+              <a:latin typeface="Gill Sans MT" panose="020B0502020104020203"/>
+              <a:ea typeface="+mj-ea"/>
+              <a:cs typeface="+mj-cs"/>
+            </a:endParaRPr>
+          </a:p>
+        </p:txBody>
+      </p:sp>
+      <p:pic>
+        <p:nvPicPr>
+          <p:cNvPr id="3" name="Brand logo">
+            <a:extLst>
+              <a:ext uri="{FF2B5EF4-FFF2-40B4-BE49-F238E27FC236}">
+                <a16:creationId xmlns:a16="http://schemas.microsoft.com/office/drawing/2014/main" id="{0F943DD8-0C5F-4CBE-A507-ECA7F20684B3}"/>
+              </a:ext>
+            </a:extLst>
+          </p:cNvPr>
+          <p:cNvPicPr>
+            <a:picLocks noChangeAspect="1"/>
+          </p:cNvPicPr>
+          <p:nvPr/>
+        </p:nvPicPr>
+        <p:blipFill>
+          <a:blip r:embed="rId2">
+            <a:extLst>
+              <a:ext uri="{96DAC541-7B7A-43D3-8B79-37D633B846F1}">
+                <asvg:svgBlip xmlns:asvg="http://schemas.microsoft.com/office/drawing/2016/SVG/main" r:embed="rId3"/>
+              </a:ext>
+            </a:extLst>
+          </a:blip>
+          <a:stretch>
+            <a:fillRect/>
+          </a:stretch>
+        </p:blipFill>
+        <p:spPr>
+          <a:xfrm>
+            <a:off x="280005" y="6432631"/>
+            <a:ext cx="423229" cy="136525"/>
+          </a:xfrm>
+          <a:prstGeom prst="rect">
+            <a:avLst/>
+          </a:prstGeom>
+        </p:spPr>
+      </p:pic>
+      <p:sp>
+        <p:nvSpPr>
+          <p:cNvPr id="4" name="Text Placeholder-left">
+            <a:extLst>
+              <a:ext uri="{FF2B5EF4-FFF2-40B4-BE49-F238E27FC236}">
+                <a16:creationId xmlns:a16="http://schemas.microsoft.com/office/drawing/2014/main" id="{CDF30DE3-2B93-4C09-9BE8-1E283B283839}"/>
+              </a:ext>
+            </a:extLst>
+          </p:cNvPr>
+          <p:cNvSpPr txBox="1">
+            <a:spLocks/>
+          </p:cNvSpPr>
+          <p:nvPr/>
+        </p:nvSpPr>
+        <p:spPr>
+          <a:xfrm>
+            <a:off x="983239" y="6488668"/>
+            <a:ext cx="2651760" cy="369332"/>
+          </a:xfrm>
+          <a:prstGeom prst="rect">
+            <a:avLst/>
+          </a:prstGeom>
+        </p:spPr>
+        <p:txBody>
+          <a:bodyPr wrap="square" lIns="0" tIns="0" rIns="0" bIns="256032">
+            <a:spAutoFit/>
+          </a:bodyPr>
+          <a:lstStyle>
+            <a:lvl1pPr marL="0" indent="0" algn="r" defTabSz="685800" rtl="0" eaLnBrk="1" latinLnBrk="0" hangingPunct="1">
+              <a:lnSpc>
+                <a:spcPct val="90000"/>
+              </a:lnSpc>
+              <a:spcBef>
+                <a:spcPts val="750"/>
+              </a:spcBef>
+              <a:buFontTx/>
+              <a:buNone/>
+              <a:defRPr sz="800" kern="1200">
+                <a:solidFill>
+                  <a:srgbClr val="898989"/>
+                </a:solidFill>
+                <a:latin typeface="Helvetica" pitchFamily="2" charset="0"/>
+                <a:ea typeface="+mn-ea"/>
+                <a:cs typeface="+mn-cs"/>
+              </a:defRPr>
+            </a:lvl1pPr>
+            <a:lvl2pPr marL="342900" indent="0" algn="l" defTabSz="685800" rtl="0" eaLnBrk="1" latinLnBrk="0" hangingPunct="1">
+              <a:lnSpc>
+                <a:spcPct val="100000"/>
+              </a:lnSpc>
+              <a:spcBef>
+                <a:spcPts val="375"/>
+              </a:spcBef>
+              <a:buFontTx/>
+              <a:buNone/>
+              <a:defRPr sz="800" kern="1200">
+                <a:solidFill>
+                  <a:srgbClr val="58595B"/>
+                </a:solidFill>
+                <a:latin typeface="Helvetica" pitchFamily="2" charset="0"/>
+                <a:ea typeface="+mn-ea"/>
+                <a:cs typeface="+mn-cs"/>
+              </a:defRPr>
+            </a:lvl2pPr>
+            <a:lvl3pPr marL="857250" indent="-171450" algn="l" defTabSz="685800" rtl="0" eaLnBrk="1" latinLnBrk="0" hangingPunct="1">
+              <a:lnSpc>
+                <a:spcPct val="90000"/>
+              </a:lnSpc>
+              <a:spcBef>
+                <a:spcPts val="375"/>
+              </a:spcBef>
+              <a:buFont typeface="Arial" panose="020B0604020202020204" pitchFamily="34" charset="0"/>
+              <a:buChar char="•"/>
+              <a:defRPr sz="800" kern="1200">
+                <a:solidFill>
+                  <a:srgbClr val="58595B"/>
+                </a:solidFill>
+                <a:latin typeface="Helvetica" pitchFamily="2" charset="0"/>
+                <a:ea typeface="+mn-ea"/>
+                <a:cs typeface="+mn-cs"/>
+              </a:defRPr>
+            </a:lvl3pPr>
+            <a:lvl4pPr marL="1200150" indent="-171450" algn="l" defTabSz="685800" rtl="0" eaLnBrk="1" latinLnBrk="0" hangingPunct="1">
+              <a:lnSpc>
+                <a:spcPct val="90000"/>
+              </a:lnSpc>
+              <a:spcBef>
+                <a:spcPts val="375"/>
+              </a:spcBef>
+              <a:buFont typeface="Arial" panose="020B0604020202020204" pitchFamily="34" charset="0"/>
+              <a:buChar char="•"/>
+              <a:defRPr sz="800" b="1" i="0" kern="1200">
+                <a:solidFill>
+                  <a:srgbClr val="58595B"/>
+                </a:solidFill>
+                <a:latin typeface="Helvetica" pitchFamily="2" charset="0"/>
+                <a:ea typeface="+mn-ea"/>
+                <a:cs typeface="+mn-cs"/>
+              </a:defRPr>
+            </a:lvl4pPr>
+            <a:lvl5pPr marL="1543050" indent="-171450" algn="l" defTabSz="685800" rtl="0" eaLnBrk="1" latinLnBrk="0" hangingPunct="1">
+              <a:lnSpc>
+                <a:spcPct val="90000"/>
+              </a:lnSpc>
+              <a:spcBef>
+                <a:spcPts val="375"/>
+              </a:spcBef>
+              <a:buFont typeface="Arial" panose="020B0604020202020204" pitchFamily="34" charset="0"/>
+              <a:buChar char="•"/>
+              <a:defRPr sz="800" kern="1200">
+                <a:solidFill>
+                  <a:srgbClr val="58595B"/>
+                </a:solidFill>
+                <a:latin typeface="Helvetica" pitchFamily="2" charset="0"/>
+                <a:ea typeface="+mn-ea"/>
+                <a:cs typeface="+mn-cs"/>
+              </a:defRPr>
+            </a:lvl5pPr>
+            <a:lvl6pPr marL="1885950" indent="-171450" algn="l" defTabSz="685800" rtl="0" eaLnBrk="1" latinLnBrk="0" hangingPunct="1">
+              <a:lnSpc>
+                <a:spcPct val="90000"/>
+              </a:lnSpc>
+              <a:spcBef>
+                <a:spcPts val="375"/>
+              </a:spcBef>
+              <a:buFont typeface="Arial" panose="020B0604020202020204" pitchFamily="34" charset="0"/>
+              <a:buChar char="•"/>
+              <a:defRPr sz="1350" kern="1200">
+                <a:solidFill>
+                  <a:schemeClr val="tx1"/>
+                </a:solidFill>
+                <a:latin typeface="+mn-lt"/>
+                <a:ea typeface="+mn-ea"/>
+                <a:cs typeface="+mn-cs"/>
+              </a:defRPr>
+            </a:lvl6pPr>
+            <a:lvl7pPr marL="2228850" indent="-171450" algn="l" defTabSz="685800" rtl="0" eaLnBrk="1" latinLnBrk="0" hangingPunct="1">
+              <a:lnSpc>
+                <a:spcPct val="90000"/>
+              </a:lnSpc>
+              <a:spcBef>
+                <a:spcPts val="375"/>
+              </a:spcBef>
+              <a:buFont typeface="Arial" panose="020B0604020202020204" pitchFamily="34" charset="0"/>
+              <a:buChar char="•"/>
+              <a:defRPr sz="1350" kern="1200">
+                <a:solidFill>
+                  <a:schemeClr val="tx1"/>
+                </a:solidFill>
+                <a:latin typeface="+mn-lt"/>
+                <a:ea typeface="+mn-ea"/>
+                <a:cs typeface="+mn-cs"/>
+              </a:defRPr>
+            </a:lvl7pPr>
+            <a:lvl8pPr marL="2571750" indent="-171450" algn="l" defTabSz="685800" rtl="0" eaLnBrk="1" latinLnBrk="0" hangingPunct="1">
+              <a:lnSpc>
+                <a:spcPct val="90000"/>
+              </a:lnSpc>
+              <a:spcBef>
+                <a:spcPts val="375"/>
+              </a:spcBef>
+              <a:buFont typeface="Arial" panose="020B0604020202020204" pitchFamily="34" charset="0"/>
+              <a:buChar char="•"/>
+              <a:defRPr sz="1350" kern="1200">
+                <a:solidFill>
+                  <a:schemeClr val="tx1"/>
+                </a:solidFill>
+                <a:latin typeface="+mn-lt"/>
+                <a:ea typeface="+mn-ea"/>
+                <a:cs typeface="+mn-cs"/>
+              </a:defRPr>
+            </a:lvl8pPr>
+            <a:lvl9pPr marL="2914650" indent="-171450" algn="l" defTabSz="685800" rtl="0" eaLnBrk="1" latinLnBrk="0" hangingPunct="1">
+              <a:lnSpc>
+                <a:spcPct val="90000"/>
+              </a:lnSpc>
+              <a:spcBef>
+                <a:spcPts val="375"/>
+              </a:spcBef>
+              <a:buFont typeface="Arial" panose="020B0604020202020204" pitchFamily="34" charset="0"/>
+              <a:buChar char="•"/>
+              <a:defRPr sz="1350" kern="1200">
+                <a:solidFill>
+                  <a:schemeClr val="tx1"/>
+                </a:solidFill>
+                <a:latin typeface="+mn-lt"/>
+                <a:ea typeface="+mn-ea"/>
+                <a:cs typeface="+mn-cs"/>
+              </a:defRPr>
+            </a:lvl9pPr>
+          </a:lstStyle>
+          <a:p>
+            <a:pPr algn="l"/>
+            <a:r>
+              <a:rPr lang="en-US" b="0" i="0" dirty="0">
+                <a:latin typeface="Helvetica Regular" pitchFamily="2" charset="0"/>
+              </a:rPr>
+              <a:t>Department of Statistics</a:t>
+            </a:r>
+          </a:p>
+        </p:txBody>
+      </p:sp>
+      <p:pic>
+        <p:nvPicPr>
+          <p:cNvPr id="5" name="Picture 4">
+            <a:extLst>
+              <a:ext uri="{FF2B5EF4-FFF2-40B4-BE49-F238E27FC236}">
+                <a16:creationId xmlns:a16="http://schemas.microsoft.com/office/drawing/2014/main" id="{AFCE79D4-B440-48AC-A102-3416A1A5DE6C}"/>
+              </a:ext>
+            </a:extLst>
+          </p:cNvPr>
+          <p:cNvPicPr>
+            <a:picLocks noChangeAspect="1"/>
+          </p:cNvPicPr>
+          <p:nvPr/>
+        </p:nvPicPr>
+        <p:blipFill>
+          <a:blip r:embed="rId4">
+            <a:extLst>
+              <a:ext uri="{28A0092B-C50C-407E-A947-70E740481C1C}">
+                <a14:useLocalDpi xmlns:a14="http://schemas.microsoft.com/office/drawing/2010/main" val="0"/>
+              </a:ext>
+            </a:extLst>
+          </a:blip>
+          <a:stretch>
+            <a:fillRect/>
+          </a:stretch>
+        </p:blipFill>
+        <p:spPr>
+          <a:xfrm>
+            <a:off x="3109029" y="4775068"/>
+            <a:ext cx="5730737" cy="1988992"/>
+          </a:xfrm>
+          <a:prstGeom prst="rect">
+            <a:avLst/>
+          </a:prstGeom>
+        </p:spPr>
+      </p:pic>
+      <p:sp>
+        <p:nvSpPr>
+          <p:cNvPr id="7" name="Content Placeholder 6">
+            <a:extLst>
+              <a:ext uri="{FF2B5EF4-FFF2-40B4-BE49-F238E27FC236}">
+                <a16:creationId xmlns:a16="http://schemas.microsoft.com/office/drawing/2014/main" id="{EDFD4EFE-D7A5-4C30-8DA0-60961E5EBAC6}"/>
+              </a:ext>
+            </a:extLst>
+          </p:cNvPr>
+          <p:cNvSpPr>
+            <a:spLocks noGrp="1"/>
+          </p:cNvSpPr>
+          <p:nvPr>
+            <p:ph idx="1"/>
+          </p:nvPr>
+        </p:nvSpPr>
+        <p:spPr>
+          <a:xfrm>
+            <a:off x="913795" y="1732449"/>
+            <a:ext cx="10344453" cy="3318010"/>
+          </a:xfrm>
+        </p:spPr>
+        <p:txBody>
+          <a:bodyPr>
+            <a:normAutofit fontScale="92500"/>
+          </a:bodyPr>
+          <a:lstStyle/>
+          <a:p>
+            <a:endParaRPr lang="en-GB" dirty="0"/>
+          </a:p>
+          <a:p>
+            <a:r>
+              <a:rPr lang="en-GB" dirty="0"/>
+              <a:t>Docker &amp; Flask &amp; AWS</a:t>
+            </a:r>
+          </a:p>
+          <a:p>
+            <a:r>
+              <a:rPr lang="en-US" dirty="0"/>
+              <a:t>Input: Desired number of days to forecast </a:t>
+            </a:r>
+            <a:r>
+              <a:rPr lang="en-US"/>
+              <a:t>(from 2018-12-14)</a:t>
+            </a:r>
+            <a:endParaRPr lang="en-US" dirty="0"/>
+          </a:p>
+          <a:p>
+            <a:r>
+              <a:rPr lang="en-US" dirty="0"/>
+              <a:t>Output: List of forecasted price for desired amount of days</a:t>
+            </a:r>
+          </a:p>
+          <a:p>
+            <a:r>
+              <a:rPr lang="en-US" dirty="0">
+                <a:effectLst/>
+              </a:rPr>
+              <a:t>curl -H "Content-Type: application/json" -X POST -d '{"days":"10"}' http://13.57.212.119:5000/forecast_price</a:t>
+            </a:r>
+          </a:p>
+          <a:p>
+            <a:r>
+              <a:rPr lang="en-US" dirty="0">
+                <a:effectLst/>
+              </a:rPr>
+              <a:t>{ "forecast price": [ 170.40439737, 170.39995174, 170.39550612, 170.39106049, 170.38661486, 170.38216924, 170.37772361, 170.37327799, 170.36883236, 170.36438673 ] }</a:t>
+            </a:r>
+          </a:p>
+          <a:p>
+            <a:pPr marL="36900" indent="0">
+              <a:buNone/>
+            </a:pPr>
+            <a:endParaRPr lang="en-US" dirty="0"/>
+          </a:p>
+        </p:txBody>
+      </p:sp>
+      <p:pic>
+        <p:nvPicPr>
+          <p:cNvPr id="1026" name="Picture 2" descr="Image result for docker logo">
+            <a:extLst>
+              <a:ext uri="{FF2B5EF4-FFF2-40B4-BE49-F238E27FC236}">
+                <a16:creationId xmlns:a16="http://schemas.microsoft.com/office/drawing/2014/main" id="{D7E1D48D-9297-4F3B-94E6-A968799FEF36}"/>
+              </a:ext>
+            </a:extLst>
+          </p:cNvPr>
+          <p:cNvPicPr>
+            <a:picLocks noChangeAspect="1" noChangeArrowheads="1"/>
+          </p:cNvPicPr>
+          <p:nvPr/>
+        </p:nvPicPr>
+        <p:blipFill rotWithShape="1">
+          <a:blip r:embed="rId5">
+            <a:extLst>
+              <a:ext uri="{28A0092B-C50C-407E-A947-70E740481C1C}">
+                <a14:useLocalDpi xmlns:a14="http://schemas.microsoft.com/office/drawing/2010/main" val="0"/>
+              </a:ext>
+            </a:extLst>
+          </a:blip>
+          <a:srcRect l="18660" t="7985" r="9350" b="34186"/>
+          <a:stretch/>
+        </p:blipFill>
+        <p:spPr bwMode="auto">
+          <a:xfrm>
+            <a:off x="4200029" y="1765409"/>
+            <a:ext cx="1043563" cy="716038"/>
+          </a:xfrm>
+          <a:prstGeom prst="rect">
+            <a:avLst/>
+          </a:prstGeom>
+          <a:noFill/>
+          <a:extLst>
+            <a:ext uri="{909E8E84-426E-40DD-AFC4-6F175D3DCCD1}">
+              <a14:hiddenFill xmlns:a14="http://schemas.microsoft.com/office/drawing/2010/main">
+                <a:solidFill>
+                  <a:srgbClr val="FFFFFF"/>
+                </a:solidFill>
+              </a14:hiddenFill>
+            </a:ext>
+          </a:extLst>
+        </p:spPr>
+      </p:pic>
+      <p:pic>
+        <p:nvPicPr>
+          <p:cNvPr id="1028" name="Picture 4" descr="Image result for flask logo">
+            <a:extLst>
+              <a:ext uri="{FF2B5EF4-FFF2-40B4-BE49-F238E27FC236}">
+                <a16:creationId xmlns:a16="http://schemas.microsoft.com/office/drawing/2014/main" id="{73C7969D-8C69-4FD9-8B43-35F1A76E03A0}"/>
+              </a:ext>
+            </a:extLst>
+          </p:cNvPr>
+          <p:cNvPicPr>
+            <a:picLocks noChangeAspect="1" noChangeArrowheads="1"/>
+          </p:cNvPicPr>
+          <p:nvPr/>
+        </p:nvPicPr>
+        <p:blipFill>
+          <a:blip r:embed="rId6">
+            <a:extLst>
+              <a:ext uri="{28A0092B-C50C-407E-A947-70E740481C1C}">
+                <a14:useLocalDpi xmlns:a14="http://schemas.microsoft.com/office/drawing/2010/main" val="0"/>
+              </a:ext>
+            </a:extLst>
+          </a:blip>
+          <a:srcRect/>
+          <a:stretch>
+            <a:fillRect/>
+          </a:stretch>
+        </p:blipFill>
+        <p:spPr bwMode="auto">
+          <a:xfrm>
+            <a:off x="5243592" y="1703525"/>
+            <a:ext cx="808822" cy="723446"/>
+          </a:xfrm>
+          <a:prstGeom prst="roundRect">
+            <a:avLst>
+              <a:gd name="adj" fmla="val 8594"/>
+            </a:avLst>
+          </a:prstGeom>
+          <a:solidFill>
+            <a:srgbClr val="FFFFFF">
+              <a:shade val="85000"/>
+            </a:srgbClr>
+          </a:solidFill>
+          <a:ln>
+            <a:noFill/>
+          </a:ln>
+          <a:effectLst>
+            <a:reflection blurRad="12700" stA="38000" endPos="28000" dist="5000" dir="5400000" sy="-100000" algn="bl" rotWithShape="0"/>
+          </a:effectLst>
+          <a:extLst>
+            <a:ext uri="{909E8E84-426E-40DD-AFC4-6F175D3DCCD1}">
+              <a14:hiddenFill xmlns:a14="http://schemas.microsoft.com/office/drawing/2010/main">
+                <a:solidFill>
+                  <a:srgbClr val="FFFFFF"/>
+                </a:solidFill>
+              </a14:hiddenFill>
+            </a:ext>
+          </a:extLst>
+        </p:spPr>
+      </p:pic>
+      <p:pic>
+        <p:nvPicPr>
+          <p:cNvPr id="8" name="Picture 7">
+            <a:extLst>
+              <a:ext uri="{FF2B5EF4-FFF2-40B4-BE49-F238E27FC236}">
+                <a16:creationId xmlns:a16="http://schemas.microsoft.com/office/drawing/2014/main" id="{6D9FA996-7C12-4045-A4DA-9169F35B64C7}"/>
+              </a:ext>
+            </a:extLst>
+          </p:cNvPr>
+          <p:cNvPicPr>
+            <a:picLocks noChangeAspect="1"/>
+          </p:cNvPicPr>
+          <p:nvPr/>
+        </p:nvPicPr>
+        <p:blipFill>
+          <a:blip r:embed="rId7"/>
+          <a:stretch>
+            <a:fillRect/>
+          </a:stretch>
+        </p:blipFill>
+        <p:spPr>
+          <a:xfrm>
+            <a:off x="6177597" y="1711462"/>
+            <a:ext cx="1061357" cy="707571"/>
+          </a:xfrm>
+          <a:prstGeom prst="roundRect">
+            <a:avLst>
+              <a:gd name="adj" fmla="val 8594"/>
+            </a:avLst>
+          </a:prstGeom>
+          <a:solidFill>
+            <a:srgbClr val="FFFFFF">
+              <a:shade val="85000"/>
+            </a:srgbClr>
+          </a:solidFill>
+          <a:ln>
+            <a:noFill/>
+          </a:ln>
+          <a:effectLst>
+            <a:reflection blurRad="12700" stA="38000" endPos="28000" dist="5000" dir="5400000" sy="-100000" algn="bl" rotWithShape="0"/>
+          </a:effectLst>
+        </p:spPr>
+      </p:pic>
+    </p:spTree>
+    <p:extLst>
+      <p:ext uri="{BB962C8B-B14F-4D97-AF65-F5344CB8AC3E}">
+        <p14:creationId xmlns:p14="http://schemas.microsoft.com/office/powerpoint/2010/main" val="1162118068"/>
       </p:ext>
     </p:extLst>
   </p:cSld>

--- a/Time series analysis of aapl stock.pptx
+++ b/Time series analysis of aapl stock.pptx
@@ -12332,13 +12332,8 @@
           <a:p>
             <a:r>
               <a:rPr lang="en-US" dirty="0"/>
-              <a:t>Input: Desired number of days to forecast </a:t>
-            </a:r>
-            <a:r>
-              <a:rPr lang="en-US"/>
-              <a:t>(from 2018-12-14)</a:t>
-            </a:r>
-            <a:endParaRPr lang="en-US" dirty="0"/>
+              <a:t>Input: Desired number of days to forecast (from 2018-12-14)</a:t>
+            </a:r>
           </a:p>
           <a:p>
             <a:r>
@@ -12351,7 +12346,19 @@
               <a:rPr lang="en-US" dirty="0">
                 <a:effectLst/>
               </a:rPr>
-              <a:t>curl -H "Content-Type: application/json" -X POST -d '{"days":"10"}' http://13.57.212.119:5000/forecast_price</a:t>
+              <a:t>curl -H "Content-Type: application/json" -X POST -d '{"days":"10"}' </a:t>
+            </a:r>
+            <a:r>
+              <a:rPr lang="en-US">
+                <a:effectLst/>
+              </a:rPr>
+              <a:t>http://54.193.125.41:5000</a:t>
+            </a:r>
+            <a:r>
+              <a:rPr lang="en-US" dirty="0">
+                <a:effectLst/>
+              </a:rPr>
+              <a:t>/forecast_price</a:t>
             </a:r>
           </a:p>
           <a:p>
@@ -12463,15 +12470,7 @@
           <a:effectLst>
             <a:reflection blurRad="12700" stA="38000" endPos="28000" dist="5000" dir="5400000" sy="-100000" algn="bl" rotWithShape="0"/>
           </a:effectLst>
-          <a:extLst>
-            <a:ext uri="{909E8E84-426E-40DD-AFC4-6F175D3DCCD1}">
-              <a14:hiddenFill xmlns:a14="http://schemas.microsoft.com/office/drawing/2010/main">
-                <a:solidFill>
-                  <a:srgbClr val="FFFFFF"/>
-                </a:solidFill>
-              </a14:hiddenFill>
-            </a:ext>
-          </a:extLst>
+          <a:extLst/>
         </p:spPr>
       </p:pic>
       <p:pic>
